--- a/docs/PA6 - Presentation, submission/Software-Engineering-Project.pptx
+++ b/docs/PA6 - Presentation, submission/Software-Engineering-Project.pptx
@@ -4,27 +4,29 @@
   <p:sldMasterIdLst>
     <p:sldMasterId id="2147483648" r:id="rId1"/>
   </p:sldMasterIdLst>
-  <p:notesMasterIdLst>
-    <p:notesMasterId r:id="rId20"/>
-  </p:notesMasterIdLst>
   <p:sldIdLst>
     <p:sldId id="256" r:id="rId3"/>
     <p:sldId id="263" r:id="rId4"/>
-    <p:sldId id="258" r:id="rId5"/>
-    <p:sldId id="270" r:id="rId6"/>
-    <p:sldId id="271" r:id="rId7"/>
-    <p:sldId id="264" r:id="rId8"/>
-    <p:sldId id="272" r:id="rId9"/>
-    <p:sldId id="265" r:id="rId10"/>
-    <p:sldId id="275" r:id="rId11"/>
-    <p:sldId id="276" r:id="rId12"/>
-    <p:sldId id="266" r:id="rId13"/>
-    <p:sldId id="277" r:id="rId14"/>
-    <p:sldId id="267" r:id="rId15"/>
-    <p:sldId id="273" r:id="rId16"/>
-    <p:sldId id="274" r:id="rId17"/>
-    <p:sldId id="268" r:id="rId18"/>
-    <p:sldId id="269" r:id="rId19"/>
+    <p:sldId id="294" r:id="rId5"/>
+    <p:sldId id="258" r:id="rId6"/>
+    <p:sldId id="270" r:id="rId7"/>
+    <p:sldId id="271" r:id="rId8"/>
+    <p:sldId id="264" r:id="rId9"/>
+    <p:sldId id="272" r:id="rId10"/>
+    <p:sldId id="280" r:id="rId11"/>
+    <p:sldId id="265" r:id="rId12"/>
+    <p:sldId id="278" r:id="rId13"/>
+    <p:sldId id="279" r:id="rId14"/>
+    <p:sldId id="275" r:id="rId15"/>
+    <p:sldId id="276" r:id="rId16"/>
+    <p:sldId id="266" r:id="rId17"/>
+    <p:sldId id="277" r:id="rId18"/>
+    <p:sldId id="267" r:id="rId19"/>
+    <p:sldId id="273" r:id="rId20"/>
+    <p:sldId id="274" r:id="rId21"/>
+    <p:sldId id="295" r:id="rId22"/>
+    <p:sldId id="268" r:id="rId23"/>
+    <p:sldId id="269" r:id="rId24"/>
   </p:sldIdLst>
   <p:sldSz cx="12192000" cy="6858000"/>
   <p:notesSz cx="6858000" cy="9144000"/>
@@ -126,353 +128,6 @@
 </p:presentation>
 </file>
 
-<file path=ppt/notesMasters/notesMaster1.xml><?xml version="1.0" encoding="utf-8"?>
-<p:notesMaster xmlns:a="http://schemas.openxmlformats.org/drawingml/2006/main" xmlns:r="http://schemas.openxmlformats.org/officeDocument/2006/relationships" xmlns:p="http://schemas.openxmlformats.org/presentationml/2006/main">
-  <p:cSld>
-    <p:bg>
-      <p:bgRef idx="1001">
-        <a:schemeClr val="bg1"/>
-      </p:bgRef>
-    </p:bg>
-    <p:spTree>
-      <p:nvGrpSpPr>
-        <p:cNvPr id="1" name=""/>
-        <p:cNvGrpSpPr/>
-        <p:nvPr/>
-      </p:nvGrpSpPr>
-      <p:grpSpPr>
-        <a:xfrm>
-          <a:off x="0" y="0"/>
-          <a:ext cx="0" cy="0"/>
-          <a:chOff x="0" y="0"/>
-          <a:chExt cx="0" cy="0"/>
-        </a:xfrm>
-      </p:grpSpPr>
-      <p:sp>
-        <p:nvSpPr>
-          <p:cNvPr id="2" name="Header Placeholder 1"/>
-          <p:cNvSpPr>
-            <a:spLocks noGrp="1"/>
-          </p:cNvSpPr>
-          <p:nvPr>
-            <p:ph type="hdr" sz="quarter"/>
-          </p:nvPr>
-        </p:nvSpPr>
-        <p:spPr>
-          <a:xfrm>
-            <a:off x="0" y="0"/>
-            <a:ext cx="2971800" cy="458788"/>
-          </a:xfrm>
-          <a:prstGeom prst="rect">
-            <a:avLst/>
-          </a:prstGeom>
-        </p:spPr>
-        <p:txBody>
-          <a:bodyPr vert="horz" lIns="91440" tIns="45720" rIns="91440" bIns="45720" rtlCol="0"/>
-          <a:lstStyle>
-            <a:lvl1pPr algn="l">
-              <a:defRPr sz="1200"/>
-            </a:lvl1pPr>
-          </a:lstStyle>
-          <a:p>
-            <a:endParaRPr lang="en-US"/>
-          </a:p>
-        </p:txBody>
-      </p:sp>
-      <p:sp>
-        <p:nvSpPr>
-          <p:cNvPr id="3" name="Date Placeholder 2"/>
-          <p:cNvSpPr>
-            <a:spLocks noGrp="1"/>
-          </p:cNvSpPr>
-          <p:nvPr>
-            <p:ph type="dt" idx="1"/>
-          </p:nvPr>
-        </p:nvSpPr>
-        <p:spPr>
-          <a:xfrm>
-            <a:off x="3884613" y="0"/>
-            <a:ext cx="2971800" cy="458788"/>
-          </a:xfrm>
-          <a:prstGeom prst="rect">
-            <a:avLst/>
-          </a:prstGeom>
-        </p:spPr>
-        <p:txBody>
-          <a:bodyPr vert="horz" lIns="91440" tIns="45720" rIns="91440" bIns="45720" rtlCol="0"/>
-          <a:lstStyle>
-            <a:lvl1pPr algn="r">
-              <a:defRPr sz="1200"/>
-            </a:lvl1pPr>
-          </a:lstStyle>
-          <a:p>
-            <a:fld id="{3EFD42F7-718C-4B98-AAEC-167E6DDD60A7}" type="datetimeFigureOut">
-              <a:rPr lang="en-US" smtClean="0"/>
-            </a:fld>
-            <a:endParaRPr lang="en-US"/>
-          </a:p>
-        </p:txBody>
-      </p:sp>
-      <p:sp>
-        <p:nvSpPr>
-          <p:cNvPr id="4" name="Slide Image Placeholder 3"/>
-          <p:cNvSpPr>
-            <a:spLocks noGrp="1" noRot="1" noChangeAspect="1"/>
-          </p:cNvSpPr>
-          <p:nvPr>
-            <p:ph type="sldImg" idx="2"/>
-          </p:nvPr>
-        </p:nvSpPr>
-        <p:spPr>
-          <a:xfrm>
-            <a:off x="685800" y="1143000"/>
-            <a:ext cx="5486400" cy="3086100"/>
-          </a:xfrm>
-          <a:prstGeom prst="rect">
-            <a:avLst/>
-          </a:prstGeom>
-          <a:noFill/>
-          <a:ln w="12700">
-            <a:solidFill>
-              <a:prstClr val="black"/>
-            </a:solidFill>
-          </a:ln>
-        </p:spPr>
-        <p:txBody>
-          <a:bodyPr vert="horz" lIns="91440" tIns="45720" rIns="91440" bIns="45720" rtlCol="0" anchor="ctr"/>
-          <a:lstStyle/>
-          <a:p>
-            <a:endParaRPr lang="en-US"/>
-          </a:p>
-        </p:txBody>
-      </p:sp>
-      <p:sp>
-        <p:nvSpPr>
-          <p:cNvPr id="5" name="Notes Placeholder 4"/>
-          <p:cNvSpPr>
-            <a:spLocks noGrp="1"/>
-          </p:cNvSpPr>
-          <p:nvPr>
-            <p:ph type="body" sz="quarter" idx="3"/>
-          </p:nvPr>
-        </p:nvSpPr>
-        <p:spPr>
-          <a:xfrm>
-            <a:off x="685800" y="4400550"/>
-            <a:ext cx="5486400" cy="3600450"/>
-          </a:xfrm>
-          <a:prstGeom prst="rect">
-            <a:avLst/>
-          </a:prstGeom>
-        </p:spPr>
-        <p:txBody>
-          <a:bodyPr vert="horz" lIns="91440" tIns="45720" rIns="91440" bIns="45720" rtlCol="0"/>
-          <a:lstStyle/>
-          <a:p>
-            <a:pPr lvl="0"/>
-            <a:r>
-              <a:rPr lang="en-US" smtClean="0"/>
-              <a:t>Click to edit Master text styles</a:t>
-            </a:r>
-            <a:endParaRPr lang="en-US" smtClean="0"/>
-          </a:p>
-          <a:p>
-            <a:pPr lvl="1"/>
-            <a:r>
-              <a:rPr lang="en-US" smtClean="0"/>
-              <a:t>Second level</a:t>
-            </a:r>
-            <a:endParaRPr lang="en-US" smtClean="0"/>
-          </a:p>
-          <a:p>
-            <a:pPr lvl="2"/>
-            <a:r>
-              <a:rPr lang="en-US" smtClean="0"/>
-              <a:t>Third level</a:t>
-            </a:r>
-            <a:endParaRPr lang="en-US" smtClean="0"/>
-          </a:p>
-          <a:p>
-            <a:pPr lvl="3"/>
-            <a:r>
-              <a:rPr lang="en-US" smtClean="0"/>
-              <a:t>Fourth level</a:t>
-            </a:r>
-            <a:endParaRPr lang="en-US" smtClean="0"/>
-          </a:p>
-          <a:p>
-            <a:pPr lvl="4"/>
-            <a:r>
-              <a:rPr lang="en-US" smtClean="0"/>
-              <a:t>Fifth level</a:t>
-            </a:r>
-            <a:endParaRPr lang="en-US"/>
-          </a:p>
-        </p:txBody>
-      </p:sp>
-      <p:sp>
-        <p:nvSpPr>
-          <p:cNvPr id="6" name="Footer Placeholder 5"/>
-          <p:cNvSpPr>
-            <a:spLocks noGrp="1"/>
-          </p:cNvSpPr>
-          <p:nvPr>
-            <p:ph type="ftr" sz="quarter" idx="4"/>
-          </p:nvPr>
-        </p:nvSpPr>
-        <p:spPr>
-          <a:xfrm>
-            <a:off x="0" y="8685213"/>
-            <a:ext cx="2971800" cy="458787"/>
-          </a:xfrm>
-          <a:prstGeom prst="rect">
-            <a:avLst/>
-          </a:prstGeom>
-        </p:spPr>
-        <p:txBody>
-          <a:bodyPr vert="horz" lIns="91440" tIns="45720" rIns="91440" bIns="45720" rtlCol="0" anchor="b"/>
-          <a:lstStyle>
-            <a:lvl1pPr algn="l">
-              <a:defRPr sz="1200"/>
-            </a:lvl1pPr>
-          </a:lstStyle>
-          <a:p>
-            <a:endParaRPr lang="en-US"/>
-          </a:p>
-        </p:txBody>
-      </p:sp>
-      <p:sp>
-        <p:nvSpPr>
-          <p:cNvPr id="7" name="Slide Number Placeholder 6"/>
-          <p:cNvSpPr>
-            <a:spLocks noGrp="1"/>
-          </p:cNvSpPr>
-          <p:nvPr>
-            <p:ph type="sldNum" sz="quarter" idx="5"/>
-          </p:nvPr>
-        </p:nvSpPr>
-        <p:spPr>
-          <a:xfrm>
-            <a:off x="3884613" y="8685213"/>
-            <a:ext cx="2971800" cy="458787"/>
-          </a:xfrm>
-          <a:prstGeom prst="rect">
-            <a:avLst/>
-          </a:prstGeom>
-        </p:spPr>
-        <p:txBody>
-          <a:bodyPr vert="horz" lIns="91440" tIns="45720" rIns="91440" bIns="45720" rtlCol="0" anchor="b"/>
-          <a:lstStyle>
-            <a:lvl1pPr algn="r">
-              <a:defRPr sz="1200"/>
-            </a:lvl1pPr>
-          </a:lstStyle>
-          <a:p>
-            <a:fld id="{21B2AA4F-B828-4D7C-AFD3-893933DAFCB4}" type="slidenum">
-              <a:rPr lang="en-US" smtClean="0"/>
-            </a:fld>
-            <a:endParaRPr lang="en-US"/>
-          </a:p>
-        </p:txBody>
-      </p:sp>
-    </p:spTree>
-  </p:cSld>
-  <p:clrMap bg1="lt1" tx1="dk1" bg2="lt2" tx2="dk2" accent1="accent1" accent2="accent2" accent3="accent3" accent4="accent4" accent5="accent5" accent6="accent6" hlink="hlink" folHlink="folHlink"/>
-  <p:notesStyle>
-    <a:lvl1pPr marL="0" algn="l" defTabSz="914400" rtl="0" eaLnBrk="1" latinLnBrk="0" hangingPunct="1">
-      <a:defRPr sz="1200" kern="1200">
-        <a:solidFill>
-          <a:schemeClr val="tx1"/>
-        </a:solidFill>
-        <a:latin typeface="+mn-lt"/>
-        <a:ea typeface="+mn-ea"/>
-        <a:cs typeface="+mn-cs"/>
-      </a:defRPr>
-    </a:lvl1pPr>
-    <a:lvl2pPr marL="457200" algn="l" defTabSz="914400" rtl="0" eaLnBrk="1" latinLnBrk="0" hangingPunct="1">
-      <a:defRPr sz="1200" kern="1200">
-        <a:solidFill>
-          <a:schemeClr val="tx1"/>
-        </a:solidFill>
-        <a:latin typeface="+mn-lt"/>
-        <a:ea typeface="+mn-ea"/>
-        <a:cs typeface="+mn-cs"/>
-      </a:defRPr>
-    </a:lvl2pPr>
-    <a:lvl3pPr marL="914400" algn="l" defTabSz="914400" rtl="0" eaLnBrk="1" latinLnBrk="0" hangingPunct="1">
-      <a:defRPr sz="1200" kern="1200">
-        <a:solidFill>
-          <a:schemeClr val="tx1"/>
-        </a:solidFill>
-        <a:latin typeface="+mn-lt"/>
-        <a:ea typeface="+mn-ea"/>
-        <a:cs typeface="+mn-cs"/>
-      </a:defRPr>
-    </a:lvl3pPr>
-    <a:lvl4pPr marL="1371600" algn="l" defTabSz="914400" rtl="0" eaLnBrk="1" latinLnBrk="0" hangingPunct="1">
-      <a:defRPr sz="1200" kern="1200">
-        <a:solidFill>
-          <a:schemeClr val="tx1"/>
-        </a:solidFill>
-        <a:latin typeface="+mn-lt"/>
-        <a:ea typeface="+mn-ea"/>
-        <a:cs typeface="+mn-cs"/>
-      </a:defRPr>
-    </a:lvl4pPr>
-    <a:lvl5pPr marL="1828800" algn="l" defTabSz="914400" rtl="0" eaLnBrk="1" latinLnBrk="0" hangingPunct="1">
-      <a:defRPr sz="1200" kern="1200">
-        <a:solidFill>
-          <a:schemeClr val="tx1"/>
-        </a:solidFill>
-        <a:latin typeface="+mn-lt"/>
-        <a:ea typeface="+mn-ea"/>
-        <a:cs typeface="+mn-cs"/>
-      </a:defRPr>
-    </a:lvl5pPr>
-    <a:lvl6pPr marL="2286000" algn="l" defTabSz="914400" rtl="0" eaLnBrk="1" latinLnBrk="0" hangingPunct="1">
-      <a:defRPr sz="1200" kern="1200">
-        <a:solidFill>
-          <a:schemeClr val="tx1"/>
-        </a:solidFill>
-        <a:latin typeface="+mn-lt"/>
-        <a:ea typeface="+mn-ea"/>
-        <a:cs typeface="+mn-cs"/>
-      </a:defRPr>
-    </a:lvl6pPr>
-    <a:lvl7pPr marL="2743200" algn="l" defTabSz="914400" rtl="0" eaLnBrk="1" latinLnBrk="0" hangingPunct="1">
-      <a:defRPr sz="1200" kern="1200">
-        <a:solidFill>
-          <a:schemeClr val="tx1"/>
-        </a:solidFill>
-        <a:latin typeface="+mn-lt"/>
-        <a:ea typeface="+mn-ea"/>
-        <a:cs typeface="+mn-cs"/>
-      </a:defRPr>
-    </a:lvl7pPr>
-    <a:lvl8pPr marL="3200400" algn="l" defTabSz="914400" rtl="0" eaLnBrk="1" latinLnBrk="0" hangingPunct="1">
-      <a:defRPr sz="1200" kern="1200">
-        <a:solidFill>
-          <a:schemeClr val="tx1"/>
-        </a:solidFill>
-        <a:latin typeface="+mn-lt"/>
-        <a:ea typeface="+mn-ea"/>
-        <a:cs typeface="+mn-cs"/>
-      </a:defRPr>
-    </a:lvl8pPr>
-    <a:lvl9pPr marL="3657600" algn="l" defTabSz="914400" rtl="0" eaLnBrk="1" latinLnBrk="0" hangingPunct="1">
-      <a:defRPr sz="1200" kern="1200">
-        <a:solidFill>
-          <a:schemeClr val="tx1"/>
-        </a:solidFill>
-        <a:latin typeface="+mn-lt"/>
-        <a:ea typeface="+mn-ea"/>
-        <a:cs typeface="+mn-cs"/>
-      </a:defRPr>
-    </a:lvl9pPr>
-  </p:notesStyle>
-</p:notesMaster>
-</file>
-
 <file path=ppt/slideLayouts/slideLayout1.xml><?xml version="1.0" encoding="utf-8"?>
 <p:sldLayout xmlns:a="http://schemas.openxmlformats.org/drawingml/2006/main" xmlns:r="http://schemas.openxmlformats.org/officeDocument/2006/relationships" xmlns:p="http://schemas.openxmlformats.org/presentationml/2006/main" type="title" preserve="1">
   <p:cSld name="Title Slide">
@@ -655,7 +310,6 @@
   <p:clrMapOvr>
     <a:masterClrMapping/>
   </p:clrMapOvr>
-  <p:hf hdr="0" ftr="0" dt="0"/>
 </p:sldLayout>
 </file>
 
@@ -823,7 +477,6 @@
   <p:clrMapOvr>
     <a:masterClrMapping/>
   </p:clrMapOvr>
-  <p:hf hdr="0" ftr="0" dt="0"/>
 </p:sldLayout>
 </file>
 
@@ -1001,7 +654,6 @@
   <p:clrMapOvr>
     <a:masterClrMapping/>
   </p:clrMapOvr>
-  <p:hf hdr="0" ftr="0" dt="0"/>
 </p:sldLayout>
 </file>
 
@@ -1169,7 +821,6 @@
   <p:clrMapOvr>
     <a:masterClrMapping/>
   </p:clrMapOvr>
-  <p:hf hdr="0" ftr="0" dt="0"/>
 </p:sldLayout>
 </file>
 
@@ -1410,7 +1061,6 @@
   <p:clrMapOvr>
     <a:masterClrMapping/>
   </p:clrMapOvr>
-  <p:hf hdr="0" ftr="0" dt="0"/>
 </p:sldLayout>
 </file>
 
@@ -1644,7 +1294,6 @@
   <p:clrMapOvr>
     <a:masterClrMapping/>
   </p:clrMapOvr>
-  <p:hf hdr="0" ftr="0" dt="0"/>
 </p:sldLayout>
 </file>
 
@@ -2015,7 +1664,6 @@
   <p:clrMapOvr>
     <a:masterClrMapping/>
   </p:clrMapOvr>
-  <p:hf hdr="0" ftr="0" dt="0"/>
 </p:sldLayout>
 </file>
 
@@ -2127,7 +1775,6 @@
   <p:clrMapOvr>
     <a:masterClrMapping/>
   </p:clrMapOvr>
-  <p:hf hdr="0" ftr="0" dt="0"/>
 </p:sldLayout>
 </file>
 
@@ -2216,7 +1863,6 @@
   <p:clrMapOvr>
     <a:masterClrMapping/>
   </p:clrMapOvr>
-  <p:hf hdr="0" ftr="0" dt="0"/>
 </p:sldLayout>
 </file>
 
@@ -2492,7 +2138,6 @@
   <p:clrMapOvr>
     <a:masterClrMapping/>
   </p:clrMapOvr>
-  <p:hf hdr="0" ftr="0" dt="0"/>
 </p:sldLayout>
 </file>
 
@@ -2740,7 +2385,6 @@
   <p:clrMapOvr>
     <a:masterClrMapping/>
   </p:clrMapOvr>
-  <p:hf hdr="0" ftr="0" dt="0"/>
 </p:sldLayout>
 </file>
 
@@ -2998,7 +2642,6 @@
     <p:sldLayoutId id="2147483658" r:id="rId10"/>
     <p:sldLayoutId id="2147483659" r:id="rId11"/>
   </p:sldLayoutIdLst>
-  <p:hf hdr="0" ftr="0" dt="0"/>
   <p:txStyles>
     <p:titleStyle>
       <a:lvl1pPr algn="l" defTabSz="914400" rtl="0" eaLnBrk="1" latinLnBrk="0" hangingPunct="1">
@@ -3399,27 +3042,6 @@
           </a:prstGeom>
         </p:spPr>
       </p:pic>
-      <p:sp>
-        <p:nvSpPr>
-          <p:cNvPr id="4" name="Slide Number Placeholder 3"/>
-          <p:cNvSpPr>
-            <a:spLocks noGrp="1"/>
-          </p:cNvSpPr>
-          <p:nvPr>
-            <p:ph type="sldNum" sz="quarter" idx="12"/>
-          </p:nvPr>
-        </p:nvSpPr>
-        <p:spPr/>
-        <p:txBody>
-          <a:bodyPr/>
-          <a:p>
-            <a:fld id="{9B618960-8005-486C-9A75-10CB2AAC16F9}" type="slidenum">
-              <a:rPr lang="en-US" smtClean="0"/>
-            </a:fld>
-            <a:endParaRPr lang="en-US"/>
-          </a:p>
-        </p:txBody>
-      </p:sp>
     </p:spTree>
   </p:cSld>
   <p:clrMapOvr>
@@ -3429,6 +3051,920 @@
 </file>
 
 <file path=ppt/slides/slide10.xml><?xml version="1.0" encoding="utf-8"?>
+<p:sld xmlns:a="http://schemas.openxmlformats.org/drawingml/2006/main" xmlns:r="http://schemas.openxmlformats.org/officeDocument/2006/relationships" xmlns:p="http://schemas.openxmlformats.org/presentationml/2006/main">
+  <p:cSld>
+    <p:bg>
+      <p:bgPr>
+        <a:blipFill rotWithShape="1">
+          <a:blip r:embed="rId1"/>
+        </a:blipFill>
+        <a:effectLst/>
+      </p:bgPr>
+    </p:bg>
+    <p:spTree>
+      <p:nvGrpSpPr>
+        <p:cNvPr id="1" name=""/>
+        <p:cNvGrpSpPr/>
+        <p:nvPr/>
+      </p:nvGrpSpPr>
+      <p:grpSpPr>
+        <a:xfrm>
+          <a:off x="0" y="0"/>
+          <a:ext cx="0" cy="0"/>
+          <a:chOff x="0" y="0"/>
+          <a:chExt cx="0" cy="0"/>
+        </a:xfrm>
+      </p:grpSpPr>
+      <p:sp>
+        <p:nvSpPr>
+          <p:cNvPr id="2" name="Title 1"/>
+          <p:cNvSpPr>
+            <a:spLocks noGrp="1"/>
+          </p:cNvSpPr>
+          <p:nvPr>
+            <p:ph type="title"/>
+          </p:nvPr>
+        </p:nvSpPr>
+        <p:spPr>
+          <a:xfrm>
+            <a:off x="1" y="36330"/>
+            <a:ext cx="5081954" cy="1325563"/>
+          </a:xfrm>
+        </p:spPr>
+        <p:txBody>
+          <a:bodyPr>
+            <a:normAutofit/>
+          </a:bodyPr>
+          <a:lstStyle/>
+          <a:p>
+            <a:r>
+              <a:rPr lang="en-US" sz="4000" dirty="0">
+                <a:sym typeface="+mn-ea"/>
+              </a:rPr>
+              <a:t>3. </a:t>
+            </a:r>
+            <a:r>
+              <a:rPr lang="en-US" dirty="0">
+                <a:sym typeface="+mn-ea"/>
+              </a:rPr>
+              <a:t>Software</a:t>
+            </a:r>
+            <a:r>
+              <a:rPr lang="en-US" sz="4000" dirty="0">
+                <a:sym typeface="+mn-ea"/>
+              </a:rPr>
+              <a:t> requirements</a:t>
+            </a:r>
+            <a:endParaRPr lang="en-US" sz="4000" dirty="0"/>
+          </a:p>
+        </p:txBody>
+      </p:sp>
+      <p:sp>
+        <p:nvSpPr>
+          <p:cNvPr id="3" name="Content Placeholder 2"/>
+          <p:cNvSpPr>
+            <a:spLocks noGrp="1"/>
+          </p:cNvSpPr>
+          <p:nvPr>
+            <p:ph idx="1"/>
+          </p:nvPr>
+        </p:nvSpPr>
+        <p:spPr>
+          <a:xfrm>
+            <a:off x="838200" y="1825625"/>
+            <a:ext cx="10515600" cy="4351338"/>
+          </a:xfrm>
+        </p:spPr>
+        <p:txBody>
+          <a:bodyPr/>
+          <a:lstStyle/>
+          <a:p>
+            <a:pPr marL="0" indent="0">
+              <a:buNone/>
+            </a:pPr>
+            <a:endParaRPr lang="en-US"/>
+          </a:p>
+          <a:p>
+            <a:pPr marL="0" indent="0">
+              <a:buNone/>
+            </a:pPr>
+            <a:endParaRPr lang="en-US" dirty="0"/>
+          </a:p>
+        </p:txBody>
+      </p:sp>
+      <p:sp>
+        <p:nvSpPr>
+          <p:cNvPr id="4" name="TextBox 3"/>
+          <p:cNvSpPr txBox="1"/>
+          <p:nvPr/>
+        </p:nvSpPr>
+        <p:spPr>
+          <a:xfrm>
+            <a:off x="385951" y="1338864"/>
+            <a:ext cx="5081954" cy="477054"/>
+          </a:xfrm>
+          <a:prstGeom prst="rect">
+            <a:avLst/>
+          </a:prstGeom>
+          <a:noFill/>
+        </p:spPr>
+        <p:txBody>
+          <a:bodyPr wrap="square" rtlCol="0">
+            <a:spAutoFit/>
+          </a:bodyPr>
+          <a:lstStyle/>
+          <a:p>
+            <a:r>
+              <a:rPr lang="en-US" sz="2500" dirty="0"/>
+              <a:t>3.1 Use-case Model</a:t>
+            </a:r>
+            <a:endParaRPr lang="en-US" sz="2500" dirty="0"/>
+          </a:p>
+        </p:txBody>
+      </p:sp>
+      <p:pic>
+        <p:nvPicPr>
+          <p:cNvPr id="11" name="Picture 10" descr="A close up of text on a white background&#10;&#10;Description automatically generated"/>
+          <p:cNvPicPr>
+            <a:picLocks noChangeAspect="1"/>
+          </p:cNvPicPr>
+          <p:nvPr/>
+        </p:nvPicPr>
+        <p:blipFill>
+          <a:blip r:embed="rId2">
+            <a:extLst>
+              <a:ext uri="{28A0092B-C50C-407E-A947-70E740481C1C}">
+                <a14:useLocalDpi xmlns:a14="http://schemas.microsoft.com/office/drawing/2010/main" val="0"/>
+              </a:ext>
+            </a:extLst>
+          </a:blip>
+          <a:stretch>
+            <a:fillRect/>
+          </a:stretch>
+        </p:blipFill>
+        <p:spPr>
+          <a:xfrm>
+            <a:off x="4585200" y="0"/>
+            <a:ext cx="7606800" cy="6858000"/>
+          </a:xfrm>
+          <a:prstGeom prst="rect">
+            <a:avLst/>
+          </a:prstGeom>
+        </p:spPr>
+      </p:pic>
+    </p:spTree>
+  </p:cSld>
+  <p:clrMapOvr>
+    <a:masterClrMapping/>
+  </p:clrMapOvr>
+</p:sld>
+</file>
+
+<file path=ppt/slides/slide11.xml><?xml version="1.0" encoding="utf-8"?>
+<p:sld xmlns:a="http://schemas.openxmlformats.org/drawingml/2006/main" xmlns:r="http://schemas.openxmlformats.org/officeDocument/2006/relationships" xmlns:p="http://schemas.openxmlformats.org/presentationml/2006/main">
+  <p:cSld>
+    <p:bg>
+      <p:bgPr>
+        <a:blipFill rotWithShape="1">
+          <a:blip r:embed="rId1"/>
+        </a:blipFill>
+        <a:effectLst/>
+      </p:bgPr>
+    </p:bg>
+    <p:spTree>
+      <p:nvGrpSpPr>
+        <p:cNvPr id="1" name=""/>
+        <p:cNvGrpSpPr/>
+        <p:nvPr/>
+      </p:nvGrpSpPr>
+      <p:grpSpPr>
+        <a:xfrm>
+          <a:off x="0" y="0"/>
+          <a:ext cx="0" cy="0"/>
+          <a:chOff x="0" y="0"/>
+          <a:chExt cx="0" cy="0"/>
+        </a:xfrm>
+      </p:grpSpPr>
+      <p:sp>
+        <p:nvSpPr>
+          <p:cNvPr id="2" name="Title 1"/>
+          <p:cNvSpPr>
+            <a:spLocks noGrp="1"/>
+          </p:cNvSpPr>
+          <p:nvPr>
+            <p:ph type="title"/>
+          </p:nvPr>
+        </p:nvSpPr>
+        <p:spPr>
+          <a:xfrm>
+            <a:off x="16751" y="29759"/>
+            <a:ext cx="4639915" cy="1325563"/>
+          </a:xfrm>
+        </p:spPr>
+        <p:txBody>
+          <a:bodyPr>
+            <a:normAutofit/>
+          </a:bodyPr>
+          <a:lstStyle/>
+          <a:p>
+            <a:r>
+              <a:rPr lang="en-US" sz="3600" dirty="0">
+                <a:sym typeface="+mn-ea"/>
+              </a:rPr>
+              <a:t>3. Software </a:t>
+            </a:r>
+            <a:r>
+              <a:rPr lang="en-US" dirty="0">
+                <a:sym typeface="+mn-ea"/>
+              </a:rPr>
+              <a:t>requirements</a:t>
+            </a:r>
+            <a:endParaRPr lang="en-US" sz="4000" dirty="0"/>
+          </a:p>
+        </p:txBody>
+      </p:sp>
+      <p:sp>
+        <p:nvSpPr>
+          <p:cNvPr id="3" name="Content Placeholder 2"/>
+          <p:cNvSpPr>
+            <a:spLocks noGrp="1"/>
+          </p:cNvSpPr>
+          <p:nvPr>
+            <p:ph idx="1"/>
+          </p:nvPr>
+        </p:nvSpPr>
+        <p:spPr>
+          <a:xfrm>
+            <a:off x="838200" y="1825625"/>
+            <a:ext cx="10515600" cy="4351338"/>
+          </a:xfrm>
+        </p:spPr>
+        <p:txBody>
+          <a:bodyPr/>
+          <a:lstStyle/>
+          <a:p>
+            <a:pPr marL="0" indent="0">
+              <a:buNone/>
+            </a:pPr>
+            <a:endParaRPr lang="en-US"/>
+          </a:p>
+          <a:p>
+            <a:pPr marL="0" indent="0">
+              <a:buNone/>
+            </a:pPr>
+            <a:endParaRPr lang="en-US" dirty="0"/>
+          </a:p>
+        </p:txBody>
+      </p:sp>
+      <p:sp>
+        <p:nvSpPr>
+          <p:cNvPr id="4" name="TextBox 3"/>
+          <p:cNvSpPr txBox="1"/>
+          <p:nvPr/>
+        </p:nvSpPr>
+        <p:spPr>
+          <a:xfrm>
+            <a:off x="351693" y="1218786"/>
+            <a:ext cx="5287108" cy="477054"/>
+          </a:xfrm>
+          <a:prstGeom prst="rect">
+            <a:avLst/>
+          </a:prstGeom>
+          <a:noFill/>
+        </p:spPr>
+        <p:txBody>
+          <a:bodyPr wrap="square" rtlCol="0">
+            <a:spAutoFit/>
+          </a:bodyPr>
+          <a:lstStyle/>
+          <a:p>
+            <a:r>
+              <a:rPr lang="en-US" sz="2500" dirty="0"/>
+              <a:t>3.1 Use-case Model</a:t>
+            </a:r>
+            <a:endParaRPr lang="en-US" sz="2500" dirty="0"/>
+          </a:p>
+        </p:txBody>
+      </p:sp>
+      <p:pic>
+        <p:nvPicPr>
+          <p:cNvPr id="9" name="Picture 8" descr="A close up of a map&#10;&#10;Description automatically generated"/>
+          <p:cNvPicPr>
+            <a:picLocks noChangeAspect="1"/>
+          </p:cNvPicPr>
+          <p:nvPr/>
+        </p:nvPicPr>
+        <p:blipFill>
+          <a:blip r:embed="rId2">
+            <a:extLst>
+              <a:ext uri="{28A0092B-C50C-407E-A947-70E740481C1C}">
+                <a14:useLocalDpi xmlns:a14="http://schemas.microsoft.com/office/drawing/2010/main" val="0"/>
+              </a:ext>
+            </a:extLst>
+          </a:blip>
+          <a:stretch>
+            <a:fillRect/>
+          </a:stretch>
+        </p:blipFill>
+        <p:spPr>
+          <a:xfrm>
+            <a:off x="4568449" y="0"/>
+            <a:ext cx="7606800" cy="6858000"/>
+          </a:xfrm>
+          <a:prstGeom prst="rect">
+            <a:avLst/>
+          </a:prstGeom>
+        </p:spPr>
+      </p:pic>
+    </p:spTree>
+  </p:cSld>
+  <p:clrMapOvr>
+    <a:masterClrMapping/>
+  </p:clrMapOvr>
+</p:sld>
+</file>
+
+<file path=ppt/slides/slide12.xml><?xml version="1.0" encoding="utf-8"?>
+<p:sld xmlns:a="http://schemas.openxmlformats.org/drawingml/2006/main" xmlns:r="http://schemas.openxmlformats.org/officeDocument/2006/relationships" xmlns:p="http://schemas.openxmlformats.org/presentationml/2006/main">
+  <p:cSld>
+    <p:bg>
+      <p:bgPr>
+        <a:blipFill rotWithShape="1">
+          <a:blip r:embed="rId1"/>
+        </a:blipFill>
+        <a:effectLst/>
+      </p:bgPr>
+    </p:bg>
+    <p:spTree>
+      <p:nvGrpSpPr>
+        <p:cNvPr id="1" name=""/>
+        <p:cNvGrpSpPr/>
+        <p:nvPr/>
+      </p:nvGrpSpPr>
+      <p:grpSpPr>
+        <a:xfrm>
+          <a:off x="0" y="0"/>
+          <a:ext cx="0" cy="0"/>
+          <a:chOff x="0" y="0"/>
+          <a:chExt cx="0" cy="0"/>
+        </a:xfrm>
+      </p:grpSpPr>
+      <p:sp>
+        <p:nvSpPr>
+          <p:cNvPr id="2" name="Title 1"/>
+          <p:cNvSpPr>
+            <a:spLocks noGrp="1"/>
+          </p:cNvSpPr>
+          <p:nvPr>
+            <p:ph type="title"/>
+          </p:nvPr>
+        </p:nvSpPr>
+        <p:spPr>
+          <a:xfrm>
+            <a:off x="-22101" y="32484"/>
+            <a:ext cx="5279902" cy="1325563"/>
+          </a:xfrm>
+        </p:spPr>
+        <p:txBody>
+          <a:bodyPr>
+            <a:normAutofit/>
+          </a:bodyPr>
+          <a:lstStyle/>
+          <a:p>
+            <a:r>
+              <a:rPr lang="en-US" sz="4000" dirty="0">
+                <a:sym typeface="+mn-ea"/>
+              </a:rPr>
+              <a:t>3. Software </a:t>
+            </a:r>
+            <a:r>
+              <a:rPr lang="en-US" dirty="0">
+                <a:sym typeface="+mn-ea"/>
+              </a:rPr>
+              <a:t>requirements</a:t>
+            </a:r>
+            <a:endParaRPr lang="en-US" sz="4000" dirty="0"/>
+          </a:p>
+        </p:txBody>
+      </p:sp>
+      <p:sp>
+        <p:nvSpPr>
+          <p:cNvPr id="3" name="Content Placeholder 2"/>
+          <p:cNvSpPr>
+            <a:spLocks noGrp="1"/>
+          </p:cNvSpPr>
+          <p:nvPr>
+            <p:ph idx="1"/>
+          </p:nvPr>
+        </p:nvSpPr>
+        <p:spPr>
+          <a:xfrm>
+            <a:off x="838200" y="1825625"/>
+            <a:ext cx="10515600" cy="4351338"/>
+          </a:xfrm>
+        </p:spPr>
+        <p:txBody>
+          <a:bodyPr/>
+          <a:lstStyle/>
+          <a:p>
+            <a:pPr marL="0" indent="0">
+              <a:buNone/>
+            </a:pPr>
+            <a:endParaRPr lang="en-US"/>
+          </a:p>
+          <a:p>
+            <a:pPr marL="0" indent="0">
+              <a:buNone/>
+            </a:pPr>
+            <a:endParaRPr lang="en-US" dirty="0"/>
+          </a:p>
+        </p:txBody>
+      </p:sp>
+      <p:sp>
+        <p:nvSpPr>
+          <p:cNvPr id="4" name="TextBox 3"/>
+          <p:cNvSpPr txBox="1"/>
+          <p:nvPr/>
+        </p:nvSpPr>
+        <p:spPr>
+          <a:xfrm>
+            <a:off x="316523" y="1377831"/>
+            <a:ext cx="5287108" cy="477054"/>
+          </a:xfrm>
+          <a:prstGeom prst="rect">
+            <a:avLst/>
+          </a:prstGeom>
+          <a:noFill/>
+        </p:spPr>
+        <p:txBody>
+          <a:bodyPr wrap="square" rtlCol="0">
+            <a:spAutoFit/>
+          </a:bodyPr>
+          <a:lstStyle/>
+          <a:p>
+            <a:r>
+              <a:rPr lang="en-US" sz="2500" dirty="0"/>
+              <a:t>3.1 Use-case Model</a:t>
+            </a:r>
+            <a:endParaRPr lang="en-US" sz="2500" dirty="0"/>
+          </a:p>
+        </p:txBody>
+      </p:sp>
+      <p:pic>
+        <p:nvPicPr>
+          <p:cNvPr id="9" name="Picture 8" descr="A picture containing text&#10;&#10;Description automatically generated"/>
+          <p:cNvPicPr>
+            <a:picLocks noChangeAspect="1"/>
+          </p:cNvPicPr>
+          <p:nvPr/>
+        </p:nvPicPr>
+        <p:blipFill>
+          <a:blip r:embed="rId2">
+            <a:extLst>
+              <a:ext uri="{28A0092B-C50C-407E-A947-70E740481C1C}">
+                <a14:useLocalDpi xmlns:a14="http://schemas.microsoft.com/office/drawing/2010/main" val="0"/>
+              </a:ext>
+            </a:extLst>
+          </a:blip>
+          <a:stretch>
+            <a:fillRect/>
+          </a:stretch>
+        </p:blipFill>
+        <p:spPr>
+          <a:xfrm>
+            <a:off x="4585200" y="0"/>
+            <a:ext cx="7606800" cy="6858000"/>
+          </a:xfrm>
+          <a:prstGeom prst="rect">
+            <a:avLst/>
+          </a:prstGeom>
+        </p:spPr>
+      </p:pic>
+    </p:spTree>
+  </p:cSld>
+  <p:clrMapOvr>
+    <a:masterClrMapping/>
+  </p:clrMapOvr>
+</p:sld>
+</file>
+
+<file path=ppt/slides/slide13.xml><?xml version="1.0" encoding="utf-8"?>
+<p:sld xmlns:a="http://schemas.openxmlformats.org/drawingml/2006/main" xmlns:r="http://schemas.openxmlformats.org/officeDocument/2006/relationships" xmlns:p="http://schemas.openxmlformats.org/presentationml/2006/main">
+  <p:cSld>
+    <p:bg>
+      <p:bgPr>
+        <a:blipFill rotWithShape="1">
+          <a:blip r:embed="rId1"/>
+        </a:blipFill>
+        <a:effectLst/>
+      </p:bgPr>
+    </p:bg>
+    <p:spTree>
+      <p:nvGrpSpPr>
+        <p:cNvPr id="1" name=""/>
+        <p:cNvGrpSpPr/>
+        <p:nvPr/>
+      </p:nvGrpSpPr>
+      <p:grpSpPr>
+        <a:xfrm>
+          <a:off x="0" y="0"/>
+          <a:ext cx="0" cy="0"/>
+          <a:chOff x="0" y="0"/>
+          <a:chExt cx="0" cy="0"/>
+        </a:xfrm>
+      </p:grpSpPr>
+      <p:sp>
+        <p:nvSpPr>
+          <p:cNvPr id="2" name="Title 1"/>
+          <p:cNvSpPr>
+            <a:spLocks noGrp="1"/>
+          </p:cNvSpPr>
+          <p:nvPr>
+            <p:ph type="title"/>
+          </p:nvPr>
+        </p:nvSpPr>
+        <p:spPr>
+          <a:xfrm>
+            <a:off x="425451" y="271011"/>
+            <a:ext cx="5905011" cy="1325563"/>
+          </a:xfrm>
+        </p:spPr>
+        <p:txBody>
+          <a:bodyPr>
+            <a:normAutofit/>
+          </a:bodyPr>
+          <a:lstStyle/>
+          <a:p>
+            <a:r>
+              <a:rPr lang="en-US" dirty="0">
+                <a:sym typeface="+mn-ea"/>
+              </a:rPr>
+              <a:t>3. Software requirements</a:t>
+            </a:r>
+            <a:endParaRPr lang="en-US" dirty="0"/>
+          </a:p>
+        </p:txBody>
+      </p:sp>
+      <p:sp>
+        <p:nvSpPr>
+          <p:cNvPr id="3" name="Content Placeholder 2"/>
+          <p:cNvSpPr>
+            <a:spLocks noGrp="1"/>
+          </p:cNvSpPr>
+          <p:nvPr>
+            <p:ph idx="1"/>
+          </p:nvPr>
+        </p:nvSpPr>
+        <p:spPr>
+          <a:xfrm>
+            <a:off x="838200" y="1825625"/>
+            <a:ext cx="10515600" cy="4351338"/>
+          </a:xfrm>
+        </p:spPr>
+        <p:txBody>
+          <a:bodyPr/>
+          <a:lstStyle/>
+          <a:p>
+            <a:pPr marL="0" indent="0">
+              <a:buNone/>
+            </a:pPr>
+            <a:endParaRPr lang="en-US" dirty="0"/>
+          </a:p>
+          <a:p>
+            <a:pPr marL="0" indent="0">
+              <a:buNone/>
+            </a:pPr>
+            <a:endParaRPr lang="en-US" dirty="0"/>
+          </a:p>
+        </p:txBody>
+      </p:sp>
+      <p:sp>
+        <p:nvSpPr>
+          <p:cNvPr id="4" name="TextBox 3"/>
+          <p:cNvSpPr txBox="1"/>
+          <p:nvPr/>
+        </p:nvSpPr>
+        <p:spPr>
+          <a:xfrm>
+            <a:off x="1029921" y="1358047"/>
+            <a:ext cx="5287108" cy="477054"/>
+          </a:xfrm>
+          <a:prstGeom prst="rect">
+            <a:avLst/>
+          </a:prstGeom>
+          <a:noFill/>
+        </p:spPr>
+        <p:txBody>
+          <a:bodyPr wrap="square" rtlCol="0">
+            <a:spAutoFit/>
+          </a:bodyPr>
+          <a:lstStyle/>
+          <a:p>
+            <a:r>
+              <a:rPr lang="en-US" sz="2500" dirty="0"/>
+              <a:t>3.2 Non-functional requirements</a:t>
+            </a:r>
+            <a:endParaRPr lang="en-US" sz="2500" dirty="0"/>
+          </a:p>
+        </p:txBody>
+      </p:sp>
+      <p:graphicFrame>
+        <p:nvGraphicFramePr>
+          <p:cNvPr id="5" name="Table 4"/>
+          <p:cNvGraphicFramePr>
+            <a:graphicFrameLocks noGrp="1"/>
+          </p:cNvGraphicFramePr>
+          <p:nvPr/>
+        </p:nvGraphicFramePr>
+        <p:xfrm>
+          <a:off x="1258277" y="1815728"/>
+          <a:ext cx="9398000" cy="4092773"/>
+        </p:xfrm>
+        <a:graphic>
+          <a:graphicData uri="http://schemas.openxmlformats.org/drawingml/2006/table">
+            <a:tbl>
+              <a:tblPr firstRow="1" bandRow="1">
+                <a:tableStyleId>{5C22544A-7EE6-4342-B048-85BDC9FD1C3A}</a:tableStyleId>
+              </a:tblPr>
+              <a:tblGrid>
+                <a:gridCol w="4699000"/>
+                <a:gridCol w="4699000"/>
+              </a:tblGrid>
+              <a:tr h="435173">
+                <a:tc>
+                  <a:txBody>
+                    <a:bodyPr/>
+                    <a:lstStyle/>
+                    <a:p>
+                      <a:pPr algn="ctr"/>
+                      <a:r>
+                        <a:rPr lang="en-US" dirty="0"/>
+                        <a:t>Requirement</a:t>
+                      </a:r>
+                      <a:endParaRPr lang="en-US" dirty="0"/>
+                    </a:p>
+                  </a:txBody>
+                  <a:tcPr/>
+                </a:tc>
+                <a:tc>
+                  <a:txBody>
+                    <a:bodyPr/>
+                    <a:lstStyle/>
+                    <a:p>
+                      <a:endParaRPr lang="en-US" dirty="0"/>
+                    </a:p>
+                  </a:txBody>
+                  <a:tcPr/>
+                </a:tc>
+              </a:tr>
+              <a:tr h="592848">
+                <a:tc>
+                  <a:txBody>
+                    <a:bodyPr/>
+                    <a:lstStyle/>
+                    <a:p>
+                      <a:pPr marL="0" marR="0" lvl="0" indent="0" algn="l" defTabSz="914400" rtl="0" eaLnBrk="1" fontAlgn="auto" latinLnBrk="0" hangingPunct="1">
+                        <a:lnSpc>
+                          <a:spcPct val="100000"/>
+                        </a:lnSpc>
+                        <a:spcBef>
+                          <a:spcPts val="0"/>
+                        </a:spcBef>
+                        <a:spcAft>
+                          <a:spcPts val="0"/>
+                        </a:spcAft>
+                        <a:buClrTx/>
+                        <a:buSzTx/>
+                        <a:buFontTx/>
+                        <a:buNone/>
+                        <a:defRPr/>
+                      </a:pPr>
+                      <a:r>
+                        <a:rPr lang="en-US" sz="1800" b="0" i="0" u="none" strike="noStrike" kern="1200" dirty="0">
+                          <a:solidFill>
+                            <a:schemeClr val="dk1"/>
+                          </a:solidFill>
+                          <a:effectLst/>
+                          <a:latin typeface="+mn-lt"/>
+                          <a:ea typeface="+mn-ea"/>
+                          <a:cs typeface="+mn-cs"/>
+                        </a:rPr>
+                        <a:t>Environment requirement</a:t>
+                      </a:r>
+                      <a:endParaRPr lang="en-US" sz="1800" b="0" i="0" u="none" strike="noStrike" kern="1200" dirty="0">
+                        <a:solidFill>
+                          <a:schemeClr val="dk1"/>
+                        </a:solidFill>
+                        <a:effectLst/>
+                        <a:latin typeface="+mn-lt"/>
+                        <a:ea typeface="+mn-ea"/>
+                        <a:cs typeface="+mn-cs"/>
+                      </a:endParaRPr>
+                    </a:p>
+                  </a:txBody>
+                  <a:tcPr/>
+                </a:tc>
+                <a:tc>
+                  <a:txBody>
+                    <a:bodyPr/>
+                    <a:lstStyle/>
+                    <a:p>
+                      <a:r>
+                        <a:rPr lang="en-US" sz="1800" b="0" i="0" u="none" strike="noStrike" kern="1200" dirty="0">
+                          <a:solidFill>
+                            <a:schemeClr val="dk1"/>
+                          </a:solidFill>
+                          <a:effectLst/>
+                          <a:latin typeface="+mn-lt"/>
+                          <a:ea typeface="+mn-ea"/>
+                          <a:cs typeface="+mn-cs"/>
+                        </a:rPr>
+                        <a:t>Personal computer or mobile device with an updated browser and Internet connection.</a:t>
+                      </a:r>
+                      <a:endParaRPr lang="en-US" dirty="0"/>
+                    </a:p>
+                  </a:txBody>
+                  <a:tcPr/>
+                </a:tc>
+              </a:tr>
+              <a:tr h="1101004">
+                <a:tc>
+                  <a:txBody>
+                    <a:bodyPr/>
+                    <a:lstStyle/>
+                    <a:p>
+                      <a:r>
+                        <a:rPr lang="en-US" sz="1800" b="0" i="0" u="none" strike="noStrike" kern="1200" dirty="0">
+                          <a:solidFill>
+                            <a:schemeClr val="dk1"/>
+                          </a:solidFill>
+                          <a:effectLst/>
+                          <a:latin typeface="+mn-lt"/>
+                          <a:ea typeface="+mn-ea"/>
+                          <a:cs typeface="+mn-cs"/>
+                        </a:rPr>
+                        <a:t>Login</a:t>
+                      </a:r>
+                      <a:endParaRPr lang="en-US" dirty="0"/>
+                    </a:p>
+                  </a:txBody>
+                  <a:tcPr/>
+                </a:tc>
+                <a:tc>
+                  <a:txBody>
+                    <a:bodyPr/>
+                    <a:lstStyle/>
+                    <a:p>
+                      <a:pPr rtl="0"/>
+                      <a:r>
+                        <a:rPr lang="en-US" sz="1800" b="0" i="0" u="none" strike="noStrike" kern="1200" dirty="0">
+                          <a:solidFill>
+                            <a:schemeClr val="dk1"/>
+                          </a:solidFill>
+                          <a:effectLst/>
+                          <a:latin typeface="+mn-lt"/>
+                          <a:ea typeface="+mn-ea"/>
+                          <a:cs typeface="+mn-cs"/>
+                        </a:rPr>
+                        <a:t>Username and password need to be encrypted before being sent over Internet.</a:t>
+                      </a:r>
+                      <a:endParaRPr lang="en-US" b="0" dirty="0">
+                        <a:effectLst/>
+                      </a:endParaRPr>
+                    </a:p>
+                    <a:p>
+                      <a:pPr rtl="0"/>
+                      <a:r>
+                        <a:rPr lang="en-US" sz="1800" b="0" i="0" u="none" strike="noStrike" kern="1200" dirty="0">
+                          <a:solidFill>
+                            <a:schemeClr val="dk1"/>
+                          </a:solidFill>
+                          <a:effectLst/>
+                          <a:latin typeface="+mn-lt"/>
+                          <a:ea typeface="+mn-ea"/>
+                          <a:cs typeface="+mn-cs"/>
+                        </a:rPr>
+                        <a:t>User must be prevented from logging in for a certain time after many failed logging in.</a:t>
+                      </a:r>
+                      <a:endParaRPr lang="en-US" b="0" dirty="0">
+                        <a:effectLst/>
+                      </a:endParaRPr>
+                    </a:p>
+                  </a:txBody>
+                  <a:tcPr/>
+                </a:tc>
+              </a:tr>
+              <a:tr h="592848">
+                <a:tc>
+                  <a:txBody>
+                    <a:bodyPr/>
+                    <a:lstStyle/>
+                    <a:p>
+                      <a:r>
+                        <a:rPr lang="en-US" sz="1800" b="0" i="0" u="none" strike="noStrike" kern="1200" dirty="0">
+                          <a:solidFill>
+                            <a:schemeClr val="dk1"/>
+                          </a:solidFill>
+                          <a:effectLst/>
+                          <a:latin typeface="+mn-lt"/>
+                          <a:ea typeface="+mn-ea"/>
+                          <a:cs typeface="+mn-cs"/>
+                        </a:rPr>
+                        <a:t>Create account</a:t>
+                      </a:r>
+                      <a:endParaRPr lang="en-US" dirty="0"/>
+                    </a:p>
+                  </a:txBody>
+                  <a:tcPr/>
+                </a:tc>
+                <a:tc>
+                  <a:txBody>
+                    <a:bodyPr/>
+                    <a:lstStyle/>
+                    <a:p>
+                      <a:pPr rtl="0"/>
+                      <a:r>
+                        <a:rPr lang="en-US" sz="1800" b="0" i="0" u="none" strike="noStrike" kern="1200" dirty="0">
+                          <a:solidFill>
+                            <a:schemeClr val="dk1"/>
+                          </a:solidFill>
+                          <a:effectLst/>
+                          <a:latin typeface="+mn-lt"/>
+                          <a:ea typeface="+mn-ea"/>
+                          <a:cs typeface="+mn-cs"/>
+                        </a:rPr>
+                        <a:t>User needs to confirm website policy before heading to create a new account.</a:t>
+                      </a:r>
+                      <a:endParaRPr lang="en-US" b="0" dirty="0">
+                        <a:effectLst/>
+                      </a:endParaRPr>
+                    </a:p>
+                  </a:txBody>
+                  <a:tcPr/>
+                </a:tc>
+              </a:tr>
+              <a:tr h="435173">
+                <a:tc>
+                  <a:txBody>
+                    <a:bodyPr/>
+                    <a:lstStyle/>
+                    <a:p>
+                      <a:r>
+                        <a:rPr lang="en-US" sz="1800" b="0" i="0" u="none" strike="noStrike" kern="1200" dirty="0">
+                          <a:solidFill>
+                            <a:schemeClr val="dk1"/>
+                          </a:solidFill>
+                          <a:effectLst/>
+                          <a:latin typeface="+mn-lt"/>
+                          <a:ea typeface="+mn-ea"/>
+                          <a:cs typeface="+mn-cs"/>
+                        </a:rPr>
+                        <a:t>Search for books</a:t>
+                      </a:r>
+                      <a:endParaRPr lang="en-US" dirty="0"/>
+                    </a:p>
+                  </a:txBody>
+                  <a:tcPr/>
+                </a:tc>
+                <a:tc>
+                  <a:txBody>
+                    <a:bodyPr/>
+                    <a:lstStyle/>
+                    <a:p>
+                      <a:pPr rtl="0"/>
+                      <a:r>
+                        <a:rPr lang="en-US" sz="1800" b="0" i="0" u="none" strike="noStrike" kern="1200" dirty="0">
+                          <a:solidFill>
+                            <a:schemeClr val="dk1"/>
+                          </a:solidFill>
+                          <a:effectLst/>
+                          <a:latin typeface="+mn-lt"/>
+                          <a:ea typeface="+mn-ea"/>
+                          <a:cs typeface="+mn-cs"/>
+                        </a:rPr>
+                        <a:t>The time for searching for a book needs to be within 5 seconds. Result books have to be sorted by descending related order (most related book to least related book).</a:t>
+                      </a:r>
+                      <a:endParaRPr lang="en-US" b="0" dirty="0">
+                        <a:effectLst/>
+                      </a:endParaRPr>
+                    </a:p>
+                  </a:txBody>
+                  <a:tcPr/>
+                </a:tc>
+              </a:tr>
+            </a:tbl>
+          </a:graphicData>
+        </a:graphic>
+      </p:graphicFrame>
+    </p:spTree>
+  </p:cSld>
+  <p:clrMapOvr>
+    <a:masterClrMapping/>
+  </p:clrMapOvr>
+</p:sld>
+</file>
+
+<file path=ppt/slides/slide14.xml><?xml version="1.0" encoding="utf-8"?>
 <p:sld xmlns:a="http://schemas.openxmlformats.org/drawingml/2006/main" xmlns:r="http://schemas.openxmlformats.org/officeDocument/2006/relationships" xmlns:p="http://schemas.openxmlformats.org/presentationml/2006/main">
   <p:cSld>
     <p:bg>
@@ -3874,27 +4410,6 @@
           </a:graphicData>
         </a:graphic>
       </p:graphicFrame>
-      <p:sp>
-        <p:nvSpPr>
-          <p:cNvPr id="6" name="Slide Number Placeholder 5"/>
-          <p:cNvSpPr>
-            <a:spLocks noGrp="1"/>
-          </p:cNvSpPr>
-          <p:nvPr>
-            <p:ph type="sldNum" sz="quarter" idx="12"/>
-          </p:nvPr>
-        </p:nvSpPr>
-        <p:spPr/>
-        <p:txBody>
-          <a:bodyPr/>
-          <a:p>
-            <a:fld id="{9B618960-8005-486C-9A75-10CB2AAC16F9}" type="slidenum">
-              <a:rPr lang="en-US" smtClean="0"/>
-            </a:fld>
-            <a:endParaRPr lang="en-US"/>
-          </a:p>
-        </p:txBody>
-      </p:sp>
     </p:spTree>
   </p:cSld>
   <p:clrMapOvr>
@@ -3903,7 +4418,7 @@
 </p:sld>
 </file>
 
-<file path=ppt/slides/slide11.xml><?xml version="1.0" encoding="utf-8"?>
+<file path=ppt/slides/slide15.xml><?xml version="1.0" encoding="utf-8"?>
 <p:sld xmlns:a="http://schemas.openxmlformats.org/drawingml/2006/main" xmlns:r="http://schemas.openxmlformats.org/officeDocument/2006/relationships" xmlns:p="http://schemas.openxmlformats.org/presentationml/2006/main">
   <p:cSld>
     <p:bg>
@@ -4068,27 +4583,6 @@
           </a:extLst>
         </p:spPr>
       </p:pic>
-      <p:sp>
-        <p:nvSpPr>
-          <p:cNvPr id="5" name="Slide Number Placeholder 4"/>
-          <p:cNvSpPr>
-            <a:spLocks noGrp="1"/>
-          </p:cNvSpPr>
-          <p:nvPr>
-            <p:ph type="sldNum" sz="quarter" idx="12"/>
-          </p:nvPr>
-        </p:nvSpPr>
-        <p:spPr/>
-        <p:txBody>
-          <a:bodyPr/>
-          <a:p>
-            <a:fld id="{9B618960-8005-486C-9A75-10CB2AAC16F9}" type="slidenum">
-              <a:rPr lang="en-US" smtClean="0"/>
-            </a:fld>
-            <a:endParaRPr lang="en-US"/>
-          </a:p>
-        </p:txBody>
-      </p:sp>
     </p:spTree>
   </p:cSld>
   <p:clrMapOvr>
@@ -4097,7 +4591,7 @@
 </p:sld>
 </file>
 
-<file path=ppt/slides/slide12.xml><?xml version="1.0" encoding="utf-8"?>
+<file path=ppt/slides/slide16.xml><?xml version="1.0" encoding="utf-8"?>
 <p:sld xmlns:a="http://schemas.openxmlformats.org/drawingml/2006/main" xmlns:r="http://schemas.openxmlformats.org/officeDocument/2006/relationships" xmlns:p="http://schemas.openxmlformats.org/presentationml/2006/main">
   <p:cSld>
     <p:bg>
@@ -4621,27 +5115,6 @@
           </a:graphicData>
         </a:graphic>
       </p:graphicFrame>
-      <p:sp>
-        <p:nvSpPr>
-          <p:cNvPr id="6" name="Slide Number Placeholder 5"/>
-          <p:cNvSpPr>
-            <a:spLocks noGrp="1"/>
-          </p:cNvSpPr>
-          <p:nvPr>
-            <p:ph type="sldNum" sz="quarter" idx="12"/>
-          </p:nvPr>
-        </p:nvSpPr>
-        <p:spPr/>
-        <p:txBody>
-          <a:bodyPr/>
-          <a:p>
-            <a:fld id="{9B618960-8005-486C-9A75-10CB2AAC16F9}" type="slidenum">
-              <a:rPr lang="en-US" smtClean="0"/>
-            </a:fld>
-            <a:endParaRPr lang="en-US"/>
-          </a:p>
-        </p:txBody>
-      </p:sp>
     </p:spTree>
   </p:cSld>
   <p:clrMapOvr>
@@ -4650,7 +5123,7 @@
 </p:sld>
 </file>
 
-<file path=ppt/slides/slide13.xml><?xml version="1.0" encoding="utf-8"?>
+<file path=ppt/slides/slide17.xml><?xml version="1.0" encoding="utf-8"?>
 <p:sld xmlns:a="http://schemas.openxmlformats.org/drawingml/2006/main" xmlns:r="http://schemas.openxmlformats.org/officeDocument/2006/relationships" xmlns:p="http://schemas.openxmlformats.org/presentationml/2006/main">
   <p:cSld>
     <p:bg>
@@ -4767,27 +5240,6 @@
           </a:p>
         </p:txBody>
       </p:sp>
-      <p:sp>
-        <p:nvSpPr>
-          <p:cNvPr id="4" name="Slide Number Placeholder 3"/>
-          <p:cNvSpPr>
-            <a:spLocks noGrp="1"/>
-          </p:cNvSpPr>
-          <p:nvPr>
-            <p:ph type="sldNum" sz="quarter" idx="12"/>
-          </p:nvPr>
-        </p:nvSpPr>
-        <p:spPr/>
-        <p:txBody>
-          <a:bodyPr/>
-          <a:p>
-            <a:fld id="{9B618960-8005-486C-9A75-10CB2AAC16F9}" type="slidenum">
-              <a:rPr lang="en-US" smtClean="0"/>
-            </a:fld>
-            <a:endParaRPr lang="en-US"/>
-          </a:p>
-        </p:txBody>
-      </p:sp>
     </p:spTree>
   </p:cSld>
   <p:clrMapOvr>
@@ -4796,7 +5248,7 @@
 </p:sld>
 </file>
 
-<file path=ppt/slides/slide14.xml><?xml version="1.0" encoding="utf-8"?>
+<file path=ppt/slides/slide18.xml><?xml version="1.0" encoding="utf-8"?>
 <p:sld xmlns:a="http://schemas.openxmlformats.org/drawingml/2006/main" xmlns:r="http://schemas.openxmlformats.org/officeDocument/2006/relationships" xmlns:p="http://schemas.openxmlformats.org/presentationml/2006/main">
   <p:cSld>
     <p:bg>
@@ -4918,27 +5370,6 @@
           </a:p>
         </p:txBody>
       </p:sp>
-      <p:sp>
-        <p:nvSpPr>
-          <p:cNvPr id="4" name="Slide Number Placeholder 3"/>
-          <p:cNvSpPr>
-            <a:spLocks noGrp="1"/>
-          </p:cNvSpPr>
-          <p:nvPr>
-            <p:ph type="sldNum" sz="quarter" idx="12"/>
-          </p:nvPr>
-        </p:nvSpPr>
-        <p:spPr/>
-        <p:txBody>
-          <a:bodyPr/>
-          <a:p>
-            <a:fld id="{9B618960-8005-486C-9A75-10CB2AAC16F9}" type="slidenum">
-              <a:rPr lang="en-US" smtClean="0"/>
-            </a:fld>
-            <a:endParaRPr lang="en-US"/>
-          </a:p>
-        </p:txBody>
-      </p:sp>
     </p:spTree>
   </p:cSld>
   <p:clrMapOvr>
@@ -4947,7 +5378,7 @@
 </p:sld>
 </file>
 
-<file path=ppt/slides/slide15.xml><?xml version="1.0" encoding="utf-8"?>
+<file path=ppt/slides/slide19.xml><?xml version="1.0" encoding="utf-8"?>
 <p:sld xmlns:a="http://schemas.openxmlformats.org/drawingml/2006/main" xmlns:r="http://schemas.openxmlformats.org/officeDocument/2006/relationships" xmlns:p="http://schemas.openxmlformats.org/presentationml/2006/main">
   <p:cSld>
     <p:bg>
@@ -5027,10 +5458,8 @@
               <a:buNone/>
             </a:pPr>
             <a:r>
-              <a:rPr lang="en-US">
-                <a:sym typeface="+mn-ea"/>
-              </a:rPr>
-              <a:t>Test results (7/1/2020)</a:t>
+              <a:rPr lang="en-US"/>
+              <a:t>Test results:</a:t>
             </a:r>
             <a:endParaRPr lang="en-US"/>
           </a:p>
@@ -6368,7 +6797,7 @@
                         <a:buNone/>
                       </a:pPr>
                       <a:r>
-                        <a:rPr lang="en-US" sz="2000" b="0">
+                        <a:rPr lang="en-US" sz="2000" b="0" dirty="0">
                           <a:solidFill>
                             <a:srgbClr val="000000"/>
                           </a:solidFill>
@@ -6376,7 +6805,7 @@
                         </a:rPr>
                         <a:t>2</a:t>
                       </a:r>
-                      <a:endParaRPr lang="en-US" sz="2000" b="0">
+                      <a:endParaRPr lang="en-US" sz="2000" b="0" dirty="0">
                         <a:solidFill>
                           <a:srgbClr val="000000"/>
                         </a:solidFill>
@@ -6431,241 +6860,6 @@
           </a:graphicData>
         </a:graphic>
       </p:graphicFrame>
-      <p:sp>
-        <p:nvSpPr>
-          <p:cNvPr id="5" name="Slide Number Placeholder 4"/>
-          <p:cNvSpPr>
-            <a:spLocks noGrp="1"/>
-          </p:cNvSpPr>
-          <p:nvPr>
-            <p:ph type="sldNum" sz="quarter" idx="12"/>
-          </p:nvPr>
-        </p:nvSpPr>
-        <p:spPr/>
-        <p:txBody>
-          <a:bodyPr/>
-          <a:p>
-            <a:fld id="{9B618960-8005-486C-9A75-10CB2AAC16F9}" type="slidenum">
-              <a:rPr lang="en-US" smtClean="0"/>
-            </a:fld>
-            <a:endParaRPr lang="en-US"/>
-          </a:p>
-        </p:txBody>
-      </p:sp>
-    </p:spTree>
-  </p:cSld>
-  <p:clrMapOvr>
-    <a:masterClrMapping/>
-  </p:clrMapOvr>
-</p:sld>
-</file>
-
-<file path=ppt/slides/slide16.xml><?xml version="1.0" encoding="utf-8"?>
-<p:sld xmlns:a="http://schemas.openxmlformats.org/drawingml/2006/main" xmlns:r="http://schemas.openxmlformats.org/officeDocument/2006/relationships" xmlns:p="http://schemas.openxmlformats.org/presentationml/2006/main">
-  <p:cSld>
-    <p:bg>
-      <p:bgPr>
-        <a:blipFill rotWithShape="1">
-          <a:blip r:embed="rId1"/>
-        </a:blipFill>
-        <a:effectLst/>
-      </p:bgPr>
-    </p:bg>
-    <p:spTree>
-      <p:nvGrpSpPr>
-        <p:cNvPr id="1" name=""/>
-        <p:cNvGrpSpPr/>
-        <p:nvPr/>
-      </p:nvGrpSpPr>
-      <p:grpSpPr>
-        <a:xfrm>
-          <a:off x="0" y="0"/>
-          <a:ext cx="0" cy="0"/>
-          <a:chOff x="0" y="0"/>
-          <a:chExt cx="0" cy="0"/>
-        </a:xfrm>
-      </p:grpSpPr>
-      <p:sp>
-        <p:nvSpPr>
-          <p:cNvPr id="2" name="Title 1"/>
-          <p:cNvSpPr>
-            <a:spLocks noGrp="1"/>
-          </p:cNvSpPr>
-          <p:nvPr>
-            <p:ph type="title"/>
-          </p:nvPr>
-        </p:nvSpPr>
-        <p:spPr/>
-        <p:txBody>
-          <a:bodyPr>
-            <a:normAutofit/>
-          </a:bodyPr>
-          <a:lstStyle/>
-          <a:p>
-            <a:r>
-              <a:rPr lang="en-US">
-                <a:sym typeface="+mn-ea"/>
-              </a:rPr>
-              <a:t>6. Demo</a:t>
-            </a:r>
-            <a:endParaRPr lang="en-US"/>
-          </a:p>
-        </p:txBody>
-      </p:sp>
-      <p:sp>
-        <p:nvSpPr>
-          <p:cNvPr id="3" name="Content Placeholder 2"/>
-          <p:cNvSpPr>
-            <a:spLocks noGrp="1"/>
-          </p:cNvSpPr>
-          <p:nvPr>
-            <p:ph idx="1"/>
-          </p:nvPr>
-        </p:nvSpPr>
-        <p:spPr/>
-        <p:txBody>
-          <a:bodyPr/>
-          <a:lstStyle/>
-          <a:p>
-            <a:pPr marL="0" indent="0">
-              <a:buNone/>
-            </a:pPr>
-            <a:endParaRPr lang="en-US"/>
-          </a:p>
-          <a:p>
-            <a:pPr marL="0" indent="0">
-              <a:buNone/>
-            </a:pPr>
-            <a:endParaRPr lang="en-US"/>
-          </a:p>
-        </p:txBody>
-      </p:sp>
-      <p:sp>
-        <p:nvSpPr>
-          <p:cNvPr id="4" name="Slide Number Placeholder 3"/>
-          <p:cNvSpPr>
-            <a:spLocks noGrp="1"/>
-          </p:cNvSpPr>
-          <p:nvPr>
-            <p:ph type="sldNum" sz="quarter" idx="12"/>
-          </p:nvPr>
-        </p:nvSpPr>
-        <p:spPr/>
-        <p:txBody>
-          <a:bodyPr/>
-          <a:p>
-            <a:fld id="{9B618960-8005-486C-9A75-10CB2AAC16F9}" type="slidenum">
-              <a:rPr lang="en-US" smtClean="0"/>
-            </a:fld>
-            <a:endParaRPr lang="en-US"/>
-          </a:p>
-        </p:txBody>
-      </p:sp>
-    </p:spTree>
-  </p:cSld>
-  <p:clrMapOvr>
-    <a:masterClrMapping/>
-  </p:clrMapOvr>
-</p:sld>
-</file>
-
-<file path=ppt/slides/slide17.xml><?xml version="1.0" encoding="utf-8"?>
-<p:sld xmlns:a="http://schemas.openxmlformats.org/drawingml/2006/main" xmlns:r="http://schemas.openxmlformats.org/officeDocument/2006/relationships" xmlns:p="http://schemas.openxmlformats.org/presentationml/2006/main">
-  <p:cSld>
-    <p:bg>
-      <p:bgPr>
-        <a:blipFill rotWithShape="1">
-          <a:blip r:embed="rId1"/>
-        </a:blipFill>
-        <a:effectLst/>
-      </p:bgPr>
-    </p:bg>
-    <p:spTree>
-      <p:nvGrpSpPr>
-        <p:cNvPr id="1" name=""/>
-        <p:cNvGrpSpPr/>
-        <p:nvPr/>
-      </p:nvGrpSpPr>
-      <p:grpSpPr>
-        <a:xfrm>
-          <a:off x="0" y="0"/>
-          <a:ext cx="0" cy="0"/>
-          <a:chOff x="0" y="0"/>
-          <a:chExt cx="0" cy="0"/>
-        </a:xfrm>
-      </p:grpSpPr>
-      <p:sp>
-        <p:nvSpPr>
-          <p:cNvPr id="4" name="Title 3"/>
-          <p:cNvSpPr>
-            <a:spLocks noGrp="1"/>
-          </p:cNvSpPr>
-          <p:nvPr>
-            <p:ph type="ctrTitle"/>
-          </p:nvPr>
-        </p:nvSpPr>
-        <p:spPr/>
-        <p:txBody>
-          <a:bodyPr/>
-          <a:lstStyle/>
-          <a:p>
-            <a:r>
-              <a:rPr lang="en-US"/>
-              <a:t>--- Thank you for watching ---</a:t>
-            </a:r>
-            <a:endParaRPr lang="en-US"/>
-          </a:p>
-        </p:txBody>
-      </p:sp>
-      <p:sp>
-        <p:nvSpPr>
-          <p:cNvPr id="3" name="Subtitle 2"/>
-          <p:cNvSpPr>
-            <a:spLocks noGrp="1"/>
-          </p:cNvSpPr>
-          <p:nvPr>
-            <p:ph type="subTitle" idx="1"/>
-          </p:nvPr>
-        </p:nvSpPr>
-        <p:spPr/>
-        <p:txBody>
-          <a:bodyPr/>
-          <a:lstStyle/>
-          <a:p>
-            <a:pPr marL="0" indent="0">
-              <a:buNone/>
-            </a:pPr>
-            <a:endParaRPr lang="en-US"/>
-          </a:p>
-          <a:p>
-            <a:pPr marL="0" indent="0">
-              <a:buNone/>
-            </a:pPr>
-            <a:endParaRPr lang="en-US"/>
-          </a:p>
-        </p:txBody>
-      </p:sp>
-      <p:sp>
-        <p:nvSpPr>
-          <p:cNvPr id="2" name="Slide Number Placeholder 1"/>
-          <p:cNvSpPr>
-            <a:spLocks noGrp="1"/>
-          </p:cNvSpPr>
-          <p:nvPr>
-            <p:ph type="sldNum" sz="quarter" idx="12"/>
-          </p:nvPr>
-        </p:nvSpPr>
-        <p:spPr/>
-        <p:txBody>
-          <a:bodyPr/>
-          <a:p>
-            <a:fld id="{9B618960-8005-486C-9A75-10CB2AAC16F9}" type="slidenum">
-              <a:rPr lang="en-US" smtClean="0"/>
-            </a:fld>
-            <a:endParaRPr lang="en-US"/>
-          </a:p>
-        </p:txBody>
-      </p:sp>
     </p:spTree>
   </p:cSld>
   <p:clrMapOvr>
@@ -6715,8 +6909,10 @@
           <a:lstStyle/>
           <a:p>
             <a:r>
-              <a:rPr lang="en-US"/>
-              <a:t>Outline</a:t>
+              <a:rPr lang="en-US">
+                <a:sym typeface="+mn-ea"/>
+              </a:rPr>
+              <a:t>Percent</a:t>
             </a:r>
             <a:endParaRPr lang="en-US"/>
           </a:p>
@@ -6737,90 +6933,563 @@
           <a:bodyPr/>
           <a:lstStyle/>
           <a:p>
-            <a:pPr marL="514350" indent="-514350">
-              <a:buAutoNum type="arabicPeriod"/>
-            </a:pPr>
-            <a:r>
-              <a:rPr lang="en-US"/>
-              <a:t>Problem statement, product position statement</a:t>
-            </a:r>
-            <a:endParaRPr lang="en-US"/>
-          </a:p>
-          <a:p>
-            <a:pPr marL="514350" indent="-514350">
-              <a:buAutoNum type="arabicPeriod"/>
-            </a:pPr>
-            <a:r>
-              <a:rPr lang="en-US"/>
-              <a:t>Project management</a:t>
-            </a:r>
-            <a:endParaRPr lang="en-US"/>
-          </a:p>
-          <a:p>
-            <a:pPr marL="514350" indent="-514350">
-              <a:buAutoNum type="arabicPeriod"/>
-            </a:pPr>
-            <a:r>
-              <a:rPr lang="en-US"/>
-              <a:t>Software requirements</a:t>
-            </a:r>
-            <a:endParaRPr lang="en-US"/>
-          </a:p>
-          <a:p>
-            <a:pPr marL="514350" indent="-514350">
-              <a:buAutoNum type="arabicPeriod"/>
-            </a:pPr>
-            <a:r>
-              <a:rPr lang="en-US"/>
-              <a:t>Analysis and design</a:t>
-            </a:r>
-            <a:endParaRPr lang="en-US"/>
-          </a:p>
-          <a:p>
-            <a:pPr marL="514350" indent="-514350">
-              <a:buAutoNum type="arabicPeriod"/>
-            </a:pPr>
-            <a:r>
-              <a:rPr lang="en-US"/>
-              <a:t>Software testing</a:t>
-            </a:r>
-            <a:endParaRPr lang="en-US"/>
-          </a:p>
-          <a:p>
-            <a:pPr marL="514350" indent="-514350">
-              <a:buAutoNum type="arabicPeriod"/>
-            </a:pPr>
-            <a:r>
-              <a:rPr lang="en-US"/>
-              <a:t>Demo</a:t>
-            </a:r>
-            <a:endParaRPr lang="en-US"/>
-          </a:p>
-          <a:p>
             <a:pPr marL="0" indent="0">
               <a:buNone/>
             </a:pPr>
+            <a:r>
+              <a:rPr lang="en-US">
+                <a:sym typeface="+mn-ea"/>
+              </a:rPr>
+              <a:t>1753102 - Bùi Quang Thắng - 40%</a:t>
+            </a:r>
+            <a:endParaRPr lang="en-US"/>
+          </a:p>
+          <a:p>
+            <a:pPr marL="0" indent="0">
+              <a:buNone/>
+            </a:pPr>
+            <a:endParaRPr lang="en-US"/>
+          </a:p>
+          <a:p>
+            <a:pPr marL="0" indent="0">
+              <a:buNone/>
+            </a:pPr>
+            <a:r>
+              <a:rPr lang="en-US">
+                <a:sym typeface="+mn-ea"/>
+              </a:rPr>
+              <a:t>1753104 - Trần Thuận Thành - 30%</a:t>
+            </a:r>
+            <a:endParaRPr lang="en-US"/>
+          </a:p>
+          <a:p>
+            <a:pPr marL="0" indent="0">
+              <a:buNone/>
+            </a:pPr>
+            <a:endParaRPr lang="en-US"/>
+          </a:p>
+          <a:p>
+            <a:pPr marL="0" indent="0">
+              <a:buNone/>
+            </a:pPr>
+            <a:r>
+              <a:rPr lang="en-US">
+                <a:sym typeface="+mn-ea"/>
+              </a:rPr>
+              <a:t>1753116 - Đặng Đức Trung - 30%</a:t>
+            </a:r>
+            <a:endParaRPr lang="en-US"/>
+          </a:p>
+          <a:p>
+            <a:pPr marL="0" indent="0">
+              <a:buNone/>
+            </a:pPr>
+            <a:endParaRPr lang="en-US"/>
+          </a:p>
+        </p:txBody>
+      </p:sp>
+    </p:spTree>
+  </p:cSld>
+  <p:clrMapOvr>
+    <a:masterClrMapping/>
+  </p:clrMapOvr>
+</p:sld>
+</file>
+
+<file path=ppt/slides/slide20.xml><?xml version="1.0" encoding="utf-8"?>
+<p:sld xmlns:a="http://schemas.openxmlformats.org/drawingml/2006/main" xmlns:r="http://schemas.openxmlformats.org/officeDocument/2006/relationships" xmlns:p="http://schemas.openxmlformats.org/presentationml/2006/main">
+  <p:cSld>
+    <p:bg>
+      <p:bgPr>
+        <a:blipFill rotWithShape="1">
+          <a:blip r:embed="rId1"/>
+        </a:blipFill>
+        <a:effectLst/>
+      </p:bgPr>
+    </p:bg>
+    <p:spTree>
+      <p:nvGrpSpPr>
+        <p:cNvPr id="1" name=""/>
+        <p:cNvGrpSpPr/>
+        <p:nvPr/>
+      </p:nvGrpSpPr>
+      <p:grpSpPr>
+        <a:xfrm>
+          <a:off x="0" y="0"/>
+          <a:ext cx="0" cy="0"/>
+          <a:chOff x="0" y="0"/>
+          <a:chExt cx="0" cy="0"/>
+        </a:xfrm>
+      </p:grpSpPr>
+      <p:sp>
+        <p:nvSpPr>
+          <p:cNvPr id="2" name="Title 1"/>
+          <p:cNvSpPr>
+            <a:spLocks noGrp="1"/>
+          </p:cNvSpPr>
+          <p:nvPr>
+            <p:ph type="title"/>
+          </p:nvPr>
+        </p:nvSpPr>
+        <p:spPr/>
+        <p:txBody>
+          <a:bodyPr>
+            <a:normAutofit/>
+          </a:bodyPr>
+          <a:lstStyle/>
+          <a:p>
+            <a:r>
+              <a:rPr lang="en-US"/>
+              <a:t>5. </a:t>
+            </a:r>
+            <a:r>
+              <a:rPr lang="en-US">
+                <a:sym typeface="+mn-ea"/>
+              </a:rPr>
+              <a:t>Software testing</a:t>
+            </a:r>
             <a:endParaRPr lang="en-US"/>
           </a:p>
         </p:txBody>
       </p:sp>
       <p:sp>
         <p:nvSpPr>
-          <p:cNvPr id="4" name="Slide Number Placeholder 3"/>
+          <p:cNvPr id="5" name="Content Placeholder 2"/>
+          <p:cNvSpPr>
+            <a:spLocks noGrp="1"/>
+          </p:cNvSpPr>
+          <p:nvPr/>
+        </p:nvSpPr>
+        <p:spPr>
+          <a:xfrm>
+            <a:off x="838200" y="1454150"/>
+            <a:ext cx="5181600" cy="637540"/>
+          </a:xfrm>
+          <a:prstGeom prst="rect">
+            <a:avLst/>
+          </a:prstGeom>
+        </p:spPr>
+        <p:txBody>
+          <a:bodyPr vert="horz" lIns="91440" tIns="45720" rIns="91440" bIns="45720" rtlCol="0">
+            <a:normAutofit/>
+          </a:bodyPr>
+          <a:lstStyle>
+            <a:lvl1pPr marL="228600" indent="-228600" algn="l" defTabSz="914400" rtl="0" eaLnBrk="1" latinLnBrk="0" hangingPunct="1">
+              <a:lnSpc>
+                <a:spcPct val="90000"/>
+              </a:lnSpc>
+              <a:spcBef>
+                <a:spcPts val="1000"/>
+              </a:spcBef>
+              <a:buFont typeface="Arial" panose="020B0604020202020204" pitchFamily="34" charset="0"/>
+              <a:buChar char="•"/>
+              <a:defRPr sz="2800" kern="1200">
+                <a:solidFill>
+                  <a:schemeClr val="tx1"/>
+                </a:solidFill>
+                <a:latin typeface="+mn-lt"/>
+                <a:ea typeface="+mn-ea"/>
+                <a:cs typeface="+mn-cs"/>
+              </a:defRPr>
+            </a:lvl1pPr>
+            <a:lvl2pPr marL="685800" indent="-228600" algn="l" defTabSz="914400" rtl="0" eaLnBrk="1" latinLnBrk="0" hangingPunct="1">
+              <a:lnSpc>
+                <a:spcPct val="90000"/>
+              </a:lnSpc>
+              <a:spcBef>
+                <a:spcPts val="500"/>
+              </a:spcBef>
+              <a:buFont typeface="Arial" panose="020B0604020202020204" pitchFamily="34" charset="0"/>
+              <a:buChar char="•"/>
+              <a:defRPr sz="2400" kern="1200">
+                <a:solidFill>
+                  <a:schemeClr val="tx1"/>
+                </a:solidFill>
+                <a:latin typeface="+mn-lt"/>
+                <a:ea typeface="+mn-ea"/>
+                <a:cs typeface="+mn-cs"/>
+              </a:defRPr>
+            </a:lvl2pPr>
+            <a:lvl3pPr marL="1143000" indent="-228600" algn="l" defTabSz="914400" rtl="0" eaLnBrk="1" latinLnBrk="0" hangingPunct="1">
+              <a:lnSpc>
+                <a:spcPct val="90000"/>
+              </a:lnSpc>
+              <a:spcBef>
+                <a:spcPts val="500"/>
+              </a:spcBef>
+              <a:buFont typeface="Arial" panose="020B0604020202020204" pitchFamily="34" charset="0"/>
+              <a:buChar char="•"/>
+              <a:defRPr sz="2000" kern="1200">
+                <a:solidFill>
+                  <a:schemeClr val="tx1"/>
+                </a:solidFill>
+                <a:latin typeface="+mn-lt"/>
+                <a:ea typeface="+mn-ea"/>
+                <a:cs typeface="+mn-cs"/>
+              </a:defRPr>
+            </a:lvl3pPr>
+            <a:lvl4pPr marL="1600200" indent="-228600" algn="l" defTabSz="914400" rtl="0" eaLnBrk="1" latinLnBrk="0" hangingPunct="1">
+              <a:lnSpc>
+                <a:spcPct val="90000"/>
+              </a:lnSpc>
+              <a:spcBef>
+                <a:spcPts val="500"/>
+              </a:spcBef>
+              <a:buFont typeface="Arial" panose="020B0604020202020204" pitchFamily="34" charset="0"/>
+              <a:buChar char="•"/>
+              <a:defRPr sz="1800" kern="1200">
+                <a:solidFill>
+                  <a:schemeClr val="tx1"/>
+                </a:solidFill>
+                <a:latin typeface="+mn-lt"/>
+                <a:ea typeface="+mn-ea"/>
+                <a:cs typeface="+mn-cs"/>
+              </a:defRPr>
+            </a:lvl4pPr>
+            <a:lvl5pPr marL="2057400" indent="-228600" algn="l" defTabSz="914400" rtl="0" eaLnBrk="1" latinLnBrk="0" hangingPunct="1">
+              <a:lnSpc>
+                <a:spcPct val="90000"/>
+              </a:lnSpc>
+              <a:spcBef>
+                <a:spcPts val="500"/>
+              </a:spcBef>
+              <a:buFont typeface="Arial" panose="020B0604020202020204" pitchFamily="34" charset="0"/>
+              <a:buChar char="•"/>
+              <a:defRPr sz="1800" kern="1200">
+                <a:solidFill>
+                  <a:schemeClr val="tx1"/>
+                </a:solidFill>
+                <a:latin typeface="+mn-lt"/>
+                <a:ea typeface="+mn-ea"/>
+                <a:cs typeface="+mn-cs"/>
+              </a:defRPr>
+            </a:lvl5pPr>
+            <a:lvl6pPr marL="2514600" indent="-228600" algn="l" defTabSz="914400" rtl="0" eaLnBrk="1" latinLnBrk="0" hangingPunct="1">
+              <a:lnSpc>
+                <a:spcPct val="90000"/>
+              </a:lnSpc>
+              <a:spcBef>
+                <a:spcPts val="500"/>
+              </a:spcBef>
+              <a:buFont typeface="Arial" panose="020B0604020202020204" pitchFamily="34" charset="0"/>
+              <a:buChar char="•"/>
+              <a:defRPr sz="1800" kern="1200">
+                <a:solidFill>
+                  <a:schemeClr val="tx1"/>
+                </a:solidFill>
+                <a:latin typeface="+mn-lt"/>
+                <a:ea typeface="+mn-ea"/>
+                <a:cs typeface="+mn-cs"/>
+              </a:defRPr>
+            </a:lvl6pPr>
+            <a:lvl7pPr marL="2971800" indent="-228600" algn="l" defTabSz="914400" rtl="0" eaLnBrk="1" latinLnBrk="0" hangingPunct="1">
+              <a:lnSpc>
+                <a:spcPct val="90000"/>
+              </a:lnSpc>
+              <a:spcBef>
+                <a:spcPts val="500"/>
+              </a:spcBef>
+              <a:buFont typeface="Arial" panose="020B0604020202020204" pitchFamily="34" charset="0"/>
+              <a:buChar char="•"/>
+              <a:defRPr sz="1800" kern="1200">
+                <a:solidFill>
+                  <a:schemeClr val="tx1"/>
+                </a:solidFill>
+                <a:latin typeface="+mn-lt"/>
+                <a:ea typeface="+mn-ea"/>
+                <a:cs typeface="+mn-cs"/>
+              </a:defRPr>
+            </a:lvl7pPr>
+            <a:lvl8pPr marL="3429000" indent="-228600" algn="l" defTabSz="914400" rtl="0" eaLnBrk="1" latinLnBrk="0" hangingPunct="1">
+              <a:lnSpc>
+                <a:spcPct val="90000"/>
+              </a:lnSpc>
+              <a:spcBef>
+                <a:spcPts val="500"/>
+              </a:spcBef>
+              <a:buFont typeface="Arial" panose="020B0604020202020204" pitchFamily="34" charset="0"/>
+              <a:buChar char="•"/>
+              <a:defRPr sz="1800" kern="1200">
+                <a:solidFill>
+                  <a:schemeClr val="tx1"/>
+                </a:solidFill>
+                <a:latin typeface="+mn-lt"/>
+                <a:ea typeface="+mn-ea"/>
+                <a:cs typeface="+mn-cs"/>
+              </a:defRPr>
+            </a:lvl8pPr>
+            <a:lvl9pPr marL="3886200" indent="-228600" algn="l" defTabSz="914400" rtl="0" eaLnBrk="1" latinLnBrk="0" hangingPunct="1">
+              <a:lnSpc>
+                <a:spcPct val="90000"/>
+              </a:lnSpc>
+              <a:spcBef>
+                <a:spcPts val="500"/>
+              </a:spcBef>
+              <a:buFont typeface="Arial" panose="020B0604020202020204" pitchFamily="34" charset="0"/>
+              <a:buChar char="•"/>
+              <a:defRPr sz="1800" kern="1200">
+                <a:solidFill>
+                  <a:schemeClr val="tx1"/>
+                </a:solidFill>
+                <a:latin typeface="+mn-lt"/>
+                <a:ea typeface="+mn-ea"/>
+                <a:cs typeface="+mn-cs"/>
+              </a:defRPr>
+            </a:lvl9pPr>
+          </a:lstStyle>
+          <a:p>
+            <a:pPr marL="0" indent="0">
+              <a:buNone/>
+            </a:pPr>
+            <a:r>
+              <a:rPr lang="en-US"/>
+              <a:t>Bugs:</a:t>
+            </a:r>
+            <a:endParaRPr lang="en-US"/>
+          </a:p>
+          <a:p>
+            <a:pPr marL="0" indent="0">
+              <a:buNone/>
+            </a:pPr>
+            <a:endParaRPr lang="en-US"/>
+          </a:p>
+        </p:txBody>
+      </p:sp>
+      <p:sp>
+        <p:nvSpPr>
+          <p:cNvPr id="6" name="Content Placeholder 5"/>
+          <p:cNvSpPr/>
+          <p:nvPr>
+            <p:ph sz="half" idx="2"/>
+          </p:nvPr>
+        </p:nvSpPr>
+        <p:spPr>
+          <a:xfrm>
+            <a:off x="838200" y="2091690"/>
+            <a:ext cx="10515600" cy="4351655"/>
+          </a:xfrm>
+        </p:spPr>
+        <p:txBody>
+          <a:bodyPr/>
+          <a:p>
+            <a:r>
+              <a:rPr lang="en-US"/>
+              <a:t>Can't find book with additional spaces</a:t>
+            </a:r>
+            <a:endParaRPr lang="en-US"/>
+          </a:p>
+          <a:p>
+            <a:r>
+              <a:rPr lang="en-US"/>
+              <a:t>Page keeps loading infinitely</a:t>
+            </a:r>
+            <a:endParaRPr lang="en-US"/>
+          </a:p>
+          <a:p>
+            <a:r>
+              <a:rPr lang="en-US"/>
+              <a:t>Can't add book even provide full information</a:t>
+            </a:r>
+            <a:endParaRPr lang="en-US"/>
+          </a:p>
+          <a:p>
+            <a:r>
+              <a:rPr lang="en-US"/>
+              <a:t>Can't access the uploaded book list</a:t>
+            </a:r>
+            <a:endParaRPr lang="en-US"/>
+          </a:p>
+          <a:p>
+            <a:r>
+              <a:rPr lang="en-US"/>
+              <a:t>Page didn't show error message when comment fails.</a:t>
+            </a:r>
+            <a:endParaRPr lang="en-US"/>
+          </a:p>
+          <a:p>
+            <a:r>
+              <a:rPr lang="en-US"/>
+              <a:t>Page didn't restrict the number of characters for a comment.</a:t>
+            </a:r>
+            <a:endParaRPr lang="en-US"/>
+          </a:p>
+          <a:p>
+            <a:r>
+              <a:rPr lang="en-US"/>
+              <a:t>...</a:t>
+            </a:r>
+            <a:endParaRPr lang="en-US"/>
+          </a:p>
+        </p:txBody>
+      </p:sp>
+    </p:spTree>
+  </p:cSld>
+  <p:clrMapOvr>
+    <a:masterClrMapping/>
+  </p:clrMapOvr>
+</p:sld>
+</file>
+
+<file path=ppt/slides/slide21.xml><?xml version="1.0" encoding="utf-8"?>
+<p:sld xmlns:a="http://schemas.openxmlformats.org/drawingml/2006/main" xmlns:r="http://schemas.openxmlformats.org/officeDocument/2006/relationships" xmlns:p="http://schemas.openxmlformats.org/presentationml/2006/main">
+  <p:cSld>
+    <p:bg>
+      <p:bgPr>
+        <a:blipFill rotWithShape="1">
+          <a:blip r:embed="rId1"/>
+        </a:blipFill>
+        <a:effectLst/>
+      </p:bgPr>
+    </p:bg>
+    <p:spTree>
+      <p:nvGrpSpPr>
+        <p:cNvPr id="1" name=""/>
+        <p:cNvGrpSpPr/>
+        <p:nvPr/>
+      </p:nvGrpSpPr>
+      <p:grpSpPr>
+        <a:xfrm>
+          <a:off x="0" y="0"/>
+          <a:ext cx="0" cy="0"/>
+          <a:chOff x="0" y="0"/>
+          <a:chExt cx="0" cy="0"/>
+        </a:xfrm>
+      </p:grpSpPr>
+      <p:sp>
+        <p:nvSpPr>
+          <p:cNvPr id="2" name="Title 1"/>
           <p:cNvSpPr>
             <a:spLocks noGrp="1"/>
           </p:cNvSpPr>
           <p:nvPr>
-            <p:ph type="sldNum" sz="quarter" idx="12"/>
+            <p:ph type="title"/>
+          </p:nvPr>
+        </p:nvSpPr>
+        <p:spPr/>
+        <p:txBody>
+          <a:bodyPr>
+            <a:normAutofit/>
+          </a:bodyPr>
+          <a:lstStyle/>
+          <a:p>
+            <a:r>
+              <a:rPr lang="en-US">
+                <a:sym typeface="+mn-ea"/>
+              </a:rPr>
+              <a:t>6. Demo</a:t>
+            </a:r>
+            <a:endParaRPr lang="en-US"/>
+          </a:p>
+        </p:txBody>
+      </p:sp>
+      <p:sp>
+        <p:nvSpPr>
+          <p:cNvPr id="3" name="Content Placeholder 2"/>
+          <p:cNvSpPr>
+            <a:spLocks noGrp="1"/>
+          </p:cNvSpPr>
+          <p:nvPr>
+            <p:ph idx="1"/>
           </p:nvPr>
         </p:nvSpPr>
         <p:spPr/>
         <p:txBody>
           <a:bodyPr/>
-          <a:p>
-            <a:fld id="{9B618960-8005-486C-9A75-10CB2AAC16F9}" type="slidenum">
-              <a:rPr lang="en-US" smtClean="0"/>
-            </a:fld>
+          <a:lstStyle/>
+          <a:p>
+            <a:pPr marL="0" indent="0">
+              <a:buNone/>
+            </a:pPr>
+            <a:endParaRPr lang="en-US"/>
+          </a:p>
+          <a:p>
+            <a:pPr marL="0" indent="0">
+              <a:buNone/>
+            </a:pPr>
+            <a:endParaRPr lang="en-US"/>
+          </a:p>
+        </p:txBody>
+      </p:sp>
+    </p:spTree>
+  </p:cSld>
+  <p:clrMapOvr>
+    <a:masterClrMapping/>
+  </p:clrMapOvr>
+</p:sld>
+</file>
+
+<file path=ppt/slides/slide22.xml><?xml version="1.0" encoding="utf-8"?>
+<p:sld xmlns:a="http://schemas.openxmlformats.org/drawingml/2006/main" xmlns:r="http://schemas.openxmlformats.org/officeDocument/2006/relationships" xmlns:p="http://schemas.openxmlformats.org/presentationml/2006/main">
+  <p:cSld>
+    <p:bg>
+      <p:bgPr>
+        <a:blipFill rotWithShape="1">
+          <a:blip r:embed="rId1"/>
+        </a:blipFill>
+        <a:effectLst/>
+      </p:bgPr>
+    </p:bg>
+    <p:spTree>
+      <p:nvGrpSpPr>
+        <p:cNvPr id="1" name=""/>
+        <p:cNvGrpSpPr/>
+        <p:nvPr/>
+      </p:nvGrpSpPr>
+      <p:grpSpPr>
+        <a:xfrm>
+          <a:off x="0" y="0"/>
+          <a:ext cx="0" cy="0"/>
+          <a:chOff x="0" y="0"/>
+          <a:chExt cx="0" cy="0"/>
+        </a:xfrm>
+      </p:grpSpPr>
+      <p:sp>
+        <p:nvSpPr>
+          <p:cNvPr id="4" name="Title 3"/>
+          <p:cNvSpPr>
+            <a:spLocks noGrp="1"/>
+          </p:cNvSpPr>
+          <p:nvPr>
+            <p:ph type="ctrTitle"/>
+          </p:nvPr>
+        </p:nvSpPr>
+        <p:spPr/>
+        <p:txBody>
+          <a:bodyPr/>
+          <a:lstStyle/>
+          <a:p>
+            <a:r>
+              <a:rPr lang="en-US"/>
+              <a:t>Thank you for watching</a:t>
+            </a:r>
+            <a:endParaRPr lang="en-US"/>
+          </a:p>
+        </p:txBody>
+      </p:sp>
+      <p:sp>
+        <p:nvSpPr>
+          <p:cNvPr id="3" name="Subtitle 2"/>
+          <p:cNvSpPr>
+            <a:spLocks noGrp="1"/>
+          </p:cNvSpPr>
+          <p:nvPr>
+            <p:ph type="subTitle" idx="1"/>
+          </p:nvPr>
+        </p:nvSpPr>
+        <p:spPr/>
+        <p:txBody>
+          <a:bodyPr/>
+          <a:lstStyle/>
+          <a:p>
+            <a:pPr marL="0" indent="0">
+              <a:buNone/>
+            </a:pPr>
+            <a:endParaRPr lang="en-US"/>
+          </a:p>
+          <a:p>
+            <a:pPr marL="0" indent="0">
+              <a:buNone/>
+            </a:pPr>
             <a:endParaRPr lang="en-US"/>
           </a:p>
         </p:txBody>
@@ -6870,16 +7539,12 @@
         </p:nvSpPr>
         <p:spPr/>
         <p:txBody>
-          <a:bodyPr>
-            <a:normAutofit/>
-          </a:bodyPr>
+          <a:bodyPr/>
           <a:lstStyle/>
           <a:p>
             <a:r>
-              <a:rPr lang="en-US">
-                <a:sym typeface="+mn-ea"/>
-              </a:rPr>
-              <a:t>1. Problem statement, product position statement</a:t>
+              <a:rPr lang="en-US"/>
+              <a:t>Outline</a:t>
             </a:r>
             <a:endParaRPr lang="en-US"/>
           </a:p>
@@ -6892,593 +7557,77 @@
             <a:spLocks noGrp="1"/>
           </p:cNvSpPr>
           <p:nvPr>
-            <p:ph sz="half" idx="1"/>
-          </p:nvPr>
-        </p:nvSpPr>
-        <p:spPr>
-          <a:xfrm>
-            <a:off x="838200" y="1111250"/>
-            <a:ext cx="7429500" cy="1194435"/>
-          </a:xfrm>
-        </p:spPr>
-        <p:txBody>
-          <a:bodyPr/>
-          <a:lstStyle/>
-          <a:p>
-            <a:pPr marL="0" indent="0">
-              <a:buNone/>
-            </a:pPr>
-            <a:endParaRPr lang="en-US"/>
-          </a:p>
-          <a:p>
-            <a:pPr marL="0" indent="0">
-              <a:buNone/>
-            </a:pPr>
-            <a:r>
-              <a:rPr lang="en-US"/>
-              <a:t>Problem statment</a:t>
-            </a:r>
-            <a:endParaRPr lang="en-US"/>
-          </a:p>
-        </p:txBody>
-      </p:sp>
-      <p:graphicFrame>
-        <p:nvGraphicFramePr>
-          <p:cNvPr id="5" name="Content Placeholder 4"/>
-          <p:cNvGraphicFramePr>
-            <a:graphicFrameLocks noGrp="1"/>
-          </p:cNvGraphicFramePr>
-          <p:nvPr>
-            <p:ph sz="half" idx="2"/>
-          </p:nvPr>
-        </p:nvGraphicFramePr>
-        <p:xfrm>
-          <a:off x="838200" y="2091055"/>
-          <a:ext cx="10081895" cy="4486910"/>
-        </p:xfrm>
-        <a:graphic>
-          <a:graphicData uri="http://schemas.openxmlformats.org/drawingml/2006/table">
-            <a:tbl>
-              <a:tblPr firstRow="1" bandRow="1">
-                <a:tableStyleId>{5940675A-B579-460E-94D1-54222C63F5DA}</a:tableStyleId>
-              </a:tblPr>
-              <a:tblGrid>
-                <a:gridCol w="3654425"/>
-                <a:gridCol w="6427470"/>
-              </a:tblGrid>
-              <a:tr h="697865">
-                <a:tc>
-                  <a:txBody>
-                    <a:bodyPr/>
-                    <a:lstStyle/>
-                    <a:p>
-                      <a:pPr indent="0" algn="ctr">
-                        <a:buNone/>
-                      </a:pPr>
-                      <a:r>
-                        <a:rPr lang="en-US" sz="2000" b="0">
-                          <a:cs typeface="+mn-lt"/>
-                        </a:rPr>
-                        <a:t>The problem of</a:t>
-                      </a:r>
-                      <a:endParaRPr lang="en-US" sz="2000" b="0">
-                        <a:ea typeface="Times New Roman" panose="02020603050405020304" charset="0"/>
-                        <a:cs typeface="+mn-lt"/>
-                      </a:endParaRPr>
-                    </a:p>
-                  </a:txBody>
-                  <a:tcPr marL="68580" marR="68580" marT="0" marB="0">
-                    <a:lnL w="19050" cap="flat" cmpd="sng">
-                      <a:solidFill>
-                        <a:srgbClr val="000000"/>
-                      </a:solidFill>
-                      <a:prstDash val="solid"/>
-                      <a:headEnd type="none" w="med" len="med"/>
-                      <a:tailEnd type="none" w="med" len="med"/>
-                    </a:lnL>
-                    <a:lnR w="19050" cap="flat" cmpd="sng">
-                      <a:solidFill>
-                        <a:srgbClr val="000000"/>
-                      </a:solidFill>
-                      <a:prstDash val="solid"/>
-                      <a:headEnd type="none" w="med" len="med"/>
-                      <a:tailEnd type="none" w="med" len="med"/>
-                    </a:lnR>
-                    <a:lnT w="19050" cap="flat" cmpd="sng">
-                      <a:solidFill>
-                        <a:srgbClr val="000000"/>
-                      </a:solidFill>
-                      <a:prstDash val="solid"/>
-                      <a:headEnd type="none" w="med" len="med"/>
-                      <a:tailEnd type="none" w="med" len="med"/>
-                    </a:lnT>
-                    <a:lnB w="12700" cap="flat" cmpd="sng">
-                      <a:solidFill>
-                        <a:srgbClr val="000000"/>
-                      </a:solidFill>
-                      <a:prstDash val="solid"/>
-                      <a:headEnd type="none" w="med" len="med"/>
-                      <a:tailEnd type="none" w="med" len="med"/>
-                    </a:lnB>
-                    <a:lnTlToBr>
-                      <a:noFill/>
-                    </a:lnTlToBr>
-                    <a:lnBlToTr>
-                      <a:noFill/>
-                    </a:lnBlToTr>
-                    <a:solidFill>
-                      <a:srgbClr val="BFBFBF"/>
-                    </a:solidFill>
-                  </a:tcPr>
-                </a:tc>
-                <a:tc>
-                  <a:txBody>
-                    <a:bodyPr/>
-                    <a:lstStyle/>
-                    <a:p>
-                      <a:pPr indent="0">
-                        <a:buNone/>
-                      </a:pPr>
-                      <a:r>
-                        <a:rPr lang="en-US" sz="2000" b="0">
-                          <a:cs typeface="+mn-lt"/>
-                        </a:rPr>
-                        <a:t>Buying and selling book by traditional way</a:t>
-                      </a:r>
-                      <a:endParaRPr lang="en-US" sz="2000" b="0">
-                        <a:ea typeface="Times New Roman" panose="02020603050405020304" charset="0"/>
-                        <a:cs typeface="+mn-lt"/>
-                      </a:endParaRPr>
-                    </a:p>
-                  </a:txBody>
-                  <a:tcPr marL="68580" marR="68580" marT="0" marB="0">
-                    <a:lnL w="19050" cap="flat" cmpd="sng">
-                      <a:solidFill>
-                        <a:srgbClr val="000000"/>
-                      </a:solidFill>
-                      <a:prstDash val="solid"/>
-                      <a:headEnd type="none" w="med" len="med"/>
-                      <a:tailEnd type="none" w="med" len="med"/>
-                    </a:lnL>
-                    <a:lnR w="19050" cap="flat" cmpd="sng">
-                      <a:solidFill>
-                        <a:srgbClr val="000000"/>
-                      </a:solidFill>
-                      <a:prstDash val="solid"/>
-                      <a:headEnd type="none" w="med" len="med"/>
-                      <a:tailEnd type="none" w="med" len="med"/>
-                    </a:lnR>
-                    <a:lnT w="19050" cap="flat" cmpd="sng">
-                      <a:solidFill>
-                        <a:srgbClr val="000000"/>
-                      </a:solidFill>
-                      <a:prstDash val="solid"/>
-                      <a:headEnd type="none" w="med" len="med"/>
-                      <a:tailEnd type="none" w="med" len="med"/>
-                    </a:lnT>
-                    <a:lnB w="12700" cap="flat" cmpd="sng">
-                      <a:solidFill>
-                        <a:srgbClr val="000000"/>
-                      </a:solidFill>
-                      <a:prstDash val="solid"/>
-                      <a:headEnd type="none" w="med" len="med"/>
-                      <a:tailEnd type="none" w="med" len="med"/>
-                    </a:lnB>
-                    <a:lnTlToBr>
-                      <a:noFill/>
-                    </a:lnTlToBr>
-                    <a:lnBlToTr>
-                      <a:noFill/>
-                    </a:lnBlToTr>
-                    <a:noFill/>
-                  </a:tcPr>
-                </a:tc>
-              </a:tr>
-              <a:tr h="681355">
-                <a:tc>
-                  <a:txBody>
-                    <a:bodyPr/>
-                    <a:lstStyle/>
-                    <a:p>
-                      <a:pPr indent="0" algn="ctr">
-                        <a:buNone/>
-                      </a:pPr>
-                      <a:r>
-                        <a:rPr lang="en-US" sz="2000" b="0">
-                          <a:cs typeface="+mn-lt"/>
-                        </a:rPr>
-                        <a:t>affects</a:t>
-                      </a:r>
-                      <a:endParaRPr lang="en-US" sz="2000" b="0">
-                        <a:ea typeface="Times New Roman" panose="02020603050405020304" charset="0"/>
-                        <a:cs typeface="+mn-lt"/>
-                      </a:endParaRPr>
-                    </a:p>
-                  </a:txBody>
-                  <a:tcPr marL="68580" marR="68580" marT="0" marB="0">
-                    <a:lnL w="19050" cap="flat" cmpd="sng">
-                      <a:solidFill>
-                        <a:srgbClr val="000000"/>
-                      </a:solidFill>
-                      <a:prstDash val="solid"/>
-                      <a:headEnd type="none" w="med" len="med"/>
-                      <a:tailEnd type="none" w="med" len="med"/>
-                    </a:lnL>
-                    <a:lnR w="19050" cap="flat" cmpd="sng">
-                      <a:solidFill>
-                        <a:srgbClr val="000000"/>
-                      </a:solidFill>
-                      <a:prstDash val="solid"/>
-                      <a:headEnd type="none" w="med" len="med"/>
-                      <a:tailEnd type="none" w="med" len="med"/>
-                    </a:lnR>
-                    <a:lnT w="12700" cap="flat" cmpd="sng">
-                      <a:solidFill>
-                        <a:srgbClr val="000000"/>
-                      </a:solidFill>
-                      <a:prstDash val="solid"/>
-                      <a:headEnd type="none" w="med" len="med"/>
-                      <a:tailEnd type="none" w="med" len="med"/>
-                    </a:lnT>
-                    <a:lnB w="12700" cap="flat" cmpd="sng">
-                      <a:solidFill>
-                        <a:srgbClr val="000000"/>
-                      </a:solidFill>
-                      <a:prstDash val="solid"/>
-                      <a:headEnd type="none" w="med" len="med"/>
-                      <a:tailEnd type="none" w="med" len="med"/>
-                    </a:lnB>
-                    <a:lnTlToBr>
-                      <a:noFill/>
-                    </a:lnTlToBr>
-                    <a:lnBlToTr>
-                      <a:noFill/>
-                    </a:lnBlToTr>
-                    <a:solidFill>
-                      <a:srgbClr val="BFBFBF"/>
-                    </a:solidFill>
-                  </a:tcPr>
-                </a:tc>
-                <a:tc>
-                  <a:txBody>
-                    <a:bodyPr/>
-                    <a:lstStyle/>
-                    <a:p>
-                      <a:pPr indent="0">
-                        <a:buNone/>
-                      </a:pPr>
-                      <a:r>
-                        <a:rPr lang="en-US" sz="2000" b="0">
-                          <a:cs typeface="+mn-lt"/>
-                        </a:rPr>
-                        <a:t>Readers who need books and People who has so many books.</a:t>
-                      </a:r>
-                      <a:endParaRPr lang="en-US" sz="2000" b="0">
-                        <a:ea typeface="Times New Roman" panose="02020603050405020304" charset="0"/>
-                        <a:cs typeface="+mn-lt"/>
-                      </a:endParaRPr>
-                    </a:p>
-                  </a:txBody>
-                  <a:tcPr marL="68580" marR="68580" marT="0" marB="0">
-                    <a:lnL w="19050" cap="flat" cmpd="sng">
-                      <a:solidFill>
-                        <a:srgbClr val="000000"/>
-                      </a:solidFill>
-                      <a:prstDash val="solid"/>
-                      <a:headEnd type="none" w="med" len="med"/>
-                      <a:tailEnd type="none" w="med" len="med"/>
-                    </a:lnL>
-                    <a:lnR w="19050" cap="flat" cmpd="sng">
-                      <a:solidFill>
-                        <a:srgbClr val="000000"/>
-                      </a:solidFill>
-                      <a:prstDash val="solid"/>
-                      <a:headEnd type="none" w="med" len="med"/>
-                      <a:tailEnd type="none" w="med" len="med"/>
-                    </a:lnR>
-                    <a:lnT w="12700" cap="flat" cmpd="sng">
-                      <a:solidFill>
-                        <a:srgbClr val="000000"/>
-                      </a:solidFill>
-                      <a:prstDash val="solid"/>
-                      <a:headEnd type="none" w="med" len="med"/>
-                      <a:tailEnd type="none" w="med" len="med"/>
-                    </a:lnT>
-                    <a:lnB w="12700" cap="flat" cmpd="sng">
-                      <a:solidFill>
-                        <a:srgbClr val="000000"/>
-                      </a:solidFill>
-                      <a:prstDash val="solid"/>
-                      <a:headEnd type="none" w="med" len="med"/>
-                      <a:tailEnd type="none" w="med" len="med"/>
-                    </a:lnB>
-                    <a:lnTlToBr>
-                      <a:noFill/>
-                    </a:lnTlToBr>
-                    <a:lnBlToTr>
-                      <a:noFill/>
-                    </a:lnBlToTr>
-                    <a:noFill/>
-                  </a:tcPr>
-                </a:tc>
-              </a:tr>
-              <a:tr h="1944370">
-                <a:tc>
-                  <a:txBody>
-                    <a:bodyPr/>
-                    <a:lstStyle/>
-                    <a:p>
-                      <a:pPr indent="0" algn="ctr">
-                        <a:buNone/>
-                      </a:pPr>
-                      <a:r>
-                        <a:rPr lang="en-US" sz="2000" b="0">
-                          <a:cs typeface="+mn-lt"/>
-                        </a:rPr>
-                        <a:t>the impact of which is</a:t>
-                      </a:r>
-                      <a:endParaRPr lang="en-US" sz="2000" b="0">
-                        <a:ea typeface="Times New Roman" panose="02020603050405020304" charset="0"/>
-                        <a:cs typeface="+mn-lt"/>
-                      </a:endParaRPr>
-                    </a:p>
-                  </a:txBody>
-                  <a:tcPr marL="68580" marR="68580" marT="0" marB="0">
-                    <a:lnL w="19050" cap="flat" cmpd="sng">
-                      <a:solidFill>
-                        <a:srgbClr val="000000"/>
-                      </a:solidFill>
-                      <a:prstDash val="solid"/>
-                      <a:headEnd type="none" w="med" len="med"/>
-                      <a:tailEnd type="none" w="med" len="med"/>
-                    </a:lnL>
-                    <a:lnR w="19050" cap="flat" cmpd="sng">
-                      <a:solidFill>
-                        <a:srgbClr val="000000"/>
-                      </a:solidFill>
-                      <a:prstDash val="solid"/>
-                      <a:headEnd type="none" w="med" len="med"/>
-                      <a:tailEnd type="none" w="med" len="med"/>
-                    </a:lnR>
-                    <a:lnT w="12700" cap="flat" cmpd="sng">
-                      <a:solidFill>
-                        <a:srgbClr val="000000"/>
-                      </a:solidFill>
-                      <a:prstDash val="solid"/>
-                      <a:headEnd type="none" w="med" len="med"/>
-                      <a:tailEnd type="none" w="med" len="med"/>
-                    </a:lnT>
-                    <a:lnB w="12700" cap="flat" cmpd="sng">
-                      <a:solidFill>
-                        <a:srgbClr val="000000"/>
-                      </a:solidFill>
-                      <a:prstDash val="solid"/>
-                      <a:headEnd type="none" w="med" len="med"/>
-                      <a:tailEnd type="none" w="med" len="med"/>
-                    </a:lnB>
-                    <a:lnTlToBr>
-                      <a:noFill/>
-                    </a:lnTlToBr>
-                    <a:lnBlToTr>
-                      <a:noFill/>
-                    </a:lnBlToTr>
-                    <a:solidFill>
-                      <a:srgbClr val="BFBFBF"/>
-                    </a:solidFill>
-                  </a:tcPr>
-                </a:tc>
-                <a:tc>
-                  <a:txBody>
-                    <a:bodyPr/>
-                    <a:lstStyle/>
-                    <a:p>
-                      <a:pPr indent="0">
-                        <a:buNone/>
-                      </a:pPr>
-                      <a:r>
-                        <a:rPr lang="en-US" sz="2000" b="0">
-                          <a:cs typeface="+mn-lt"/>
-                        </a:rPr>
-                        <a:t>Readers have to spend a lot of money to buy a new book, although they just need an old book with low price to buy and read.People who own many used books don’t know the way to share their books or  have to pay a very high price to build an book store.</a:t>
-                      </a:r>
-                      <a:endParaRPr lang="en-US" sz="2000" b="0">
-                        <a:ea typeface="Times New Roman" panose="02020603050405020304" charset="0"/>
-                        <a:cs typeface="+mn-lt"/>
-                      </a:endParaRPr>
-                    </a:p>
-                  </a:txBody>
-                  <a:tcPr marL="68580" marR="68580" marT="0" marB="0">
-                    <a:lnL w="19050" cap="flat" cmpd="sng">
-                      <a:solidFill>
-                        <a:srgbClr val="000000"/>
-                      </a:solidFill>
-                      <a:prstDash val="solid"/>
-                      <a:headEnd type="none" w="med" len="med"/>
-                      <a:tailEnd type="none" w="med" len="med"/>
-                    </a:lnL>
-                    <a:lnR w="19050" cap="flat" cmpd="sng">
-                      <a:solidFill>
-                        <a:srgbClr val="000000"/>
-                      </a:solidFill>
-                      <a:prstDash val="solid"/>
-                      <a:headEnd type="none" w="med" len="med"/>
-                      <a:tailEnd type="none" w="med" len="med"/>
-                    </a:lnR>
-                    <a:lnT w="12700" cap="flat" cmpd="sng">
-                      <a:solidFill>
-                        <a:srgbClr val="000000"/>
-                      </a:solidFill>
-                      <a:prstDash val="solid"/>
-                      <a:headEnd type="none" w="med" len="med"/>
-                      <a:tailEnd type="none" w="med" len="med"/>
-                    </a:lnT>
-                    <a:lnB w="12700" cap="flat" cmpd="sng">
-                      <a:solidFill>
-                        <a:srgbClr val="000000"/>
-                      </a:solidFill>
-                      <a:prstDash val="solid"/>
-                      <a:headEnd type="none" w="med" len="med"/>
-                      <a:tailEnd type="none" w="med" len="med"/>
-                    </a:lnB>
-                    <a:lnTlToBr>
-                      <a:noFill/>
-                    </a:lnTlToBr>
-                    <a:lnBlToTr>
-                      <a:noFill/>
-                    </a:lnBlToTr>
-                    <a:noFill/>
-                  </a:tcPr>
-                </a:tc>
-              </a:tr>
-              <a:tr h="1163320">
-                <a:tc>
-                  <a:txBody>
-                    <a:bodyPr/>
-                    <a:lstStyle/>
-                    <a:p>
-                      <a:pPr indent="0" algn="r">
-                        <a:buNone/>
-                      </a:pPr>
-                      <a:r>
-                        <a:rPr lang="en-US" sz="2000" b="0">
-                          <a:cs typeface="+mn-lt"/>
-                        </a:rPr>
-                        <a:t>a successful solution would be</a:t>
-                      </a:r>
-                      <a:endParaRPr lang="en-US" sz="2000" b="0">
-                        <a:ea typeface="Times New Roman" panose="02020603050405020304" charset="0"/>
-                        <a:cs typeface="+mn-lt"/>
-                      </a:endParaRPr>
-                    </a:p>
-                  </a:txBody>
-                  <a:tcPr marL="68580" marR="68580" marT="0" marB="0">
-                    <a:lnL w="19050" cap="flat" cmpd="sng">
-                      <a:solidFill>
-                        <a:srgbClr val="000000"/>
-                      </a:solidFill>
-                      <a:prstDash val="solid"/>
-                      <a:headEnd type="none" w="med" len="med"/>
-                      <a:tailEnd type="none" w="med" len="med"/>
-                    </a:lnL>
-                    <a:lnR w="19050" cap="flat" cmpd="sng">
-                      <a:solidFill>
-                        <a:srgbClr val="000000"/>
-                      </a:solidFill>
-                      <a:prstDash val="solid"/>
-                      <a:headEnd type="none" w="med" len="med"/>
-                      <a:tailEnd type="none" w="med" len="med"/>
-                    </a:lnR>
-                    <a:lnT w="12700" cap="flat" cmpd="sng">
-                      <a:solidFill>
-                        <a:srgbClr val="000000"/>
-                      </a:solidFill>
-                      <a:prstDash val="solid"/>
-                      <a:headEnd type="none" w="med" len="med"/>
-                      <a:tailEnd type="none" w="med" len="med"/>
-                    </a:lnT>
-                    <a:lnB w="12700" cap="flat" cmpd="sng">
-                      <a:solidFill>
-                        <a:srgbClr val="000000"/>
-                      </a:solidFill>
-                      <a:prstDash val="solid"/>
-                      <a:headEnd type="none" w="med" len="med"/>
-                      <a:tailEnd type="none" w="med" len="med"/>
-                    </a:lnB>
-                    <a:lnTlToBr>
-                      <a:noFill/>
-                    </a:lnTlToBr>
-                    <a:lnBlToTr>
-                      <a:noFill/>
-                    </a:lnBlToTr>
-                    <a:solidFill>
-                      <a:srgbClr val="BFBFBF"/>
-                    </a:solidFill>
-                  </a:tcPr>
-                </a:tc>
-                <a:tc>
-                  <a:txBody>
-                    <a:bodyPr/>
-                    <a:lstStyle/>
-                    <a:p>
-                      <a:pPr indent="0">
-                        <a:buNone/>
-                      </a:pPr>
-                      <a:r>
-                        <a:rPr lang="en-US" sz="2000" b="0">
-                          <a:cs typeface="+mn-lt"/>
-                        </a:rPr>
-                        <a:t>An online system where people can post information about the books they want to share and readers can search for and get the old books they desire with lower price.</a:t>
-                      </a:r>
-                      <a:endParaRPr lang="en-US" sz="2000" b="0">
-                        <a:ea typeface="Times New Roman" panose="02020603050405020304" charset="0"/>
-                        <a:cs typeface="+mn-lt"/>
-                      </a:endParaRPr>
-                    </a:p>
-                  </a:txBody>
-                  <a:tcPr marL="68580" marR="68580" marT="0" marB="0">
-                    <a:lnL w="19050" cap="flat" cmpd="sng">
-                      <a:solidFill>
-                        <a:srgbClr val="000000"/>
-                      </a:solidFill>
-                      <a:prstDash val="solid"/>
-                      <a:headEnd type="none" w="med" len="med"/>
-                      <a:tailEnd type="none" w="med" len="med"/>
-                    </a:lnL>
-                    <a:lnR w="19050" cap="flat" cmpd="sng">
-                      <a:solidFill>
-                        <a:srgbClr val="000000"/>
-                      </a:solidFill>
-                      <a:prstDash val="solid"/>
-                      <a:headEnd type="none" w="med" len="med"/>
-                      <a:tailEnd type="none" w="med" len="med"/>
-                    </a:lnR>
-                    <a:lnT w="12700" cap="flat" cmpd="sng">
-                      <a:solidFill>
-                        <a:srgbClr val="000000"/>
-                      </a:solidFill>
-                      <a:prstDash val="solid"/>
-                      <a:headEnd type="none" w="med" len="med"/>
-                      <a:tailEnd type="none" w="med" len="med"/>
-                    </a:lnT>
-                    <a:lnB w="12700" cap="flat" cmpd="sng">
-                      <a:solidFill>
-                        <a:srgbClr val="000000"/>
-                      </a:solidFill>
-                      <a:prstDash val="solid"/>
-                      <a:headEnd type="none" w="med" len="med"/>
-                      <a:tailEnd type="none" w="med" len="med"/>
-                    </a:lnB>
-                    <a:lnTlToBr>
-                      <a:noFill/>
-                    </a:lnTlToBr>
-                    <a:lnBlToTr>
-                      <a:noFill/>
-                    </a:lnBlToTr>
-                    <a:noFill/>
-                  </a:tcPr>
-                </a:tc>
-              </a:tr>
-            </a:tbl>
-          </a:graphicData>
-        </a:graphic>
-      </p:graphicFrame>
-      <p:sp>
-        <p:nvSpPr>
-          <p:cNvPr id="4" name="Slide Number Placeholder 3"/>
-          <p:cNvSpPr>
-            <a:spLocks noGrp="1"/>
-          </p:cNvSpPr>
-          <p:nvPr>
-            <p:ph type="sldNum" sz="quarter" idx="12"/>
+            <p:ph idx="1"/>
           </p:nvPr>
         </p:nvSpPr>
         <p:spPr/>
         <p:txBody>
           <a:bodyPr/>
-          <a:p>
-            <a:fld id="{9B618960-8005-486C-9A75-10CB2AAC16F9}" type="slidenum">
-              <a:rPr lang="en-US" smtClean="0"/>
-            </a:fld>
+          <a:lstStyle/>
+          <a:p>
+            <a:pPr marL="514350" indent="-514350">
+              <a:buAutoNum type="arabicPeriod"/>
+            </a:pPr>
+            <a:r>
+              <a:rPr lang="en-US"/>
+              <a:t>Problem statement, product position statement</a:t>
+            </a:r>
+            <a:endParaRPr lang="en-US"/>
+          </a:p>
+          <a:p>
+            <a:pPr marL="514350" indent="-514350">
+              <a:buAutoNum type="arabicPeriod"/>
+            </a:pPr>
+            <a:r>
+              <a:rPr lang="en-US"/>
+              <a:t>Project management</a:t>
+            </a:r>
+            <a:endParaRPr lang="en-US"/>
+          </a:p>
+          <a:p>
+            <a:pPr marL="514350" indent="-514350">
+              <a:buAutoNum type="arabicPeriod"/>
+            </a:pPr>
+            <a:r>
+              <a:rPr lang="en-US"/>
+              <a:t>Software requirements</a:t>
+            </a:r>
+            <a:endParaRPr lang="en-US"/>
+          </a:p>
+          <a:p>
+            <a:pPr marL="514350" indent="-514350">
+              <a:buAutoNum type="arabicPeriod"/>
+            </a:pPr>
+            <a:r>
+              <a:rPr lang="en-US"/>
+              <a:t>Analysis and design</a:t>
+            </a:r>
+            <a:endParaRPr lang="en-US"/>
+          </a:p>
+          <a:p>
+            <a:pPr marL="514350" indent="-514350">
+              <a:buAutoNum type="arabicPeriod"/>
+            </a:pPr>
+            <a:r>
+              <a:rPr lang="en-US"/>
+              <a:t>Software testing</a:t>
+            </a:r>
+            <a:endParaRPr lang="en-US"/>
+          </a:p>
+          <a:p>
+            <a:pPr marL="514350" indent="-514350">
+              <a:buAutoNum type="arabicPeriod"/>
+            </a:pPr>
+            <a:r>
+              <a:rPr lang="en-US"/>
+              <a:t>Demo</a:t>
+            </a:r>
+            <a:endParaRPr lang="en-US"/>
+          </a:p>
+          <a:p>
+            <a:pPr marL="0" indent="0">
+              <a:buNone/>
+            </a:pPr>
             <a:endParaRPr lang="en-US"/>
           </a:p>
         </p:txBody>
@@ -7545,6 +7694,643 @@
       </p:sp>
       <p:sp>
         <p:nvSpPr>
+          <p:cNvPr id="3" name="Content Placeholder 2"/>
+          <p:cNvSpPr>
+            <a:spLocks noGrp="1"/>
+          </p:cNvSpPr>
+          <p:nvPr>
+            <p:ph sz="half" idx="1"/>
+          </p:nvPr>
+        </p:nvSpPr>
+        <p:spPr>
+          <a:xfrm>
+            <a:off x="838200" y="1111250"/>
+            <a:ext cx="7429500" cy="1194435"/>
+          </a:xfrm>
+        </p:spPr>
+        <p:txBody>
+          <a:bodyPr/>
+          <a:lstStyle/>
+          <a:p>
+            <a:pPr marL="0" indent="0">
+              <a:buNone/>
+            </a:pPr>
+            <a:endParaRPr lang="en-US"/>
+          </a:p>
+          <a:p>
+            <a:pPr marL="0" indent="0">
+              <a:buNone/>
+            </a:pPr>
+            <a:r>
+              <a:rPr lang="en-US"/>
+              <a:t>Problem statment</a:t>
+            </a:r>
+            <a:endParaRPr lang="en-US"/>
+          </a:p>
+        </p:txBody>
+      </p:sp>
+      <p:graphicFrame>
+        <p:nvGraphicFramePr>
+          <p:cNvPr id="5" name="Content Placeholder 4"/>
+          <p:cNvGraphicFramePr>
+            <a:graphicFrameLocks noGrp="1"/>
+          </p:cNvGraphicFramePr>
+          <p:nvPr>
+            <p:ph sz="half" idx="2"/>
+          </p:nvPr>
+        </p:nvGraphicFramePr>
+        <p:xfrm>
+          <a:off x="838200" y="2091055"/>
+          <a:ext cx="10081895" cy="4486910"/>
+        </p:xfrm>
+        <a:graphic>
+          <a:graphicData uri="http://schemas.openxmlformats.org/drawingml/2006/table">
+            <a:tbl>
+              <a:tblPr firstRow="1" bandRow="1">
+                <a:tableStyleId>{5940675A-B579-460E-94D1-54222C63F5DA}</a:tableStyleId>
+              </a:tblPr>
+              <a:tblGrid>
+                <a:gridCol w="3654425"/>
+                <a:gridCol w="6427470"/>
+              </a:tblGrid>
+              <a:tr h="697865">
+                <a:tc>
+                  <a:txBody>
+                    <a:bodyPr/>
+                    <a:lstStyle/>
+                    <a:p>
+                      <a:pPr indent="0" algn="ctr">
+                        <a:buNone/>
+                      </a:pPr>
+                      <a:r>
+                        <a:rPr lang="en-US" sz="2000" b="0">
+                          <a:cs typeface="+mn-lt"/>
+                        </a:rPr>
+                        <a:t>The problem of</a:t>
+                      </a:r>
+                      <a:endParaRPr lang="en-US" sz="2000" b="0">
+                        <a:ea typeface="Times New Roman" panose="02020603050405020304" charset="0"/>
+                        <a:cs typeface="+mn-lt"/>
+                      </a:endParaRPr>
+                    </a:p>
+                  </a:txBody>
+                  <a:tcPr marL="68580" marR="68580" marT="0" marB="0">
+                    <a:lnL w="19050" cap="flat" cmpd="sng">
+                      <a:solidFill>
+                        <a:srgbClr val="000000"/>
+                      </a:solidFill>
+                      <a:prstDash val="solid"/>
+                      <a:headEnd type="none" w="med" len="med"/>
+                      <a:tailEnd type="none" w="med" len="med"/>
+                    </a:lnL>
+                    <a:lnR w="19050" cap="flat" cmpd="sng">
+                      <a:solidFill>
+                        <a:srgbClr val="000000"/>
+                      </a:solidFill>
+                      <a:prstDash val="solid"/>
+                      <a:headEnd type="none" w="med" len="med"/>
+                      <a:tailEnd type="none" w="med" len="med"/>
+                    </a:lnR>
+                    <a:lnT w="19050" cap="flat" cmpd="sng">
+                      <a:solidFill>
+                        <a:srgbClr val="000000"/>
+                      </a:solidFill>
+                      <a:prstDash val="solid"/>
+                      <a:headEnd type="none" w="med" len="med"/>
+                      <a:tailEnd type="none" w="med" len="med"/>
+                    </a:lnT>
+                    <a:lnB w="12700" cap="flat" cmpd="sng">
+                      <a:solidFill>
+                        <a:srgbClr val="000000"/>
+                      </a:solidFill>
+                      <a:prstDash val="solid"/>
+                      <a:headEnd type="none" w="med" len="med"/>
+                      <a:tailEnd type="none" w="med" len="med"/>
+                    </a:lnB>
+                    <a:lnTlToBr>
+                      <a:noFill/>
+                    </a:lnTlToBr>
+                    <a:lnBlToTr>
+                      <a:noFill/>
+                    </a:lnBlToTr>
+                    <a:solidFill>
+                      <a:srgbClr val="BFBFBF"/>
+                    </a:solidFill>
+                  </a:tcPr>
+                </a:tc>
+                <a:tc>
+                  <a:txBody>
+                    <a:bodyPr/>
+                    <a:lstStyle/>
+                    <a:p>
+                      <a:pPr indent="0">
+                        <a:buNone/>
+                      </a:pPr>
+                      <a:r>
+                        <a:rPr lang="en-US" sz="2000" b="0">
+                          <a:cs typeface="+mn-lt"/>
+                        </a:rPr>
+                        <a:t>Buying and selling book by traditional way</a:t>
+                      </a:r>
+                      <a:endParaRPr lang="en-US" sz="2000" b="0">
+                        <a:ea typeface="Times New Roman" panose="02020603050405020304" charset="0"/>
+                        <a:cs typeface="+mn-lt"/>
+                      </a:endParaRPr>
+                    </a:p>
+                  </a:txBody>
+                  <a:tcPr marL="68580" marR="68580" marT="0" marB="0">
+                    <a:lnL w="19050" cap="flat" cmpd="sng">
+                      <a:solidFill>
+                        <a:srgbClr val="000000"/>
+                      </a:solidFill>
+                      <a:prstDash val="solid"/>
+                      <a:headEnd type="none" w="med" len="med"/>
+                      <a:tailEnd type="none" w="med" len="med"/>
+                    </a:lnL>
+                    <a:lnR w="19050" cap="flat" cmpd="sng">
+                      <a:solidFill>
+                        <a:srgbClr val="000000"/>
+                      </a:solidFill>
+                      <a:prstDash val="solid"/>
+                      <a:headEnd type="none" w="med" len="med"/>
+                      <a:tailEnd type="none" w="med" len="med"/>
+                    </a:lnR>
+                    <a:lnT w="19050" cap="flat" cmpd="sng">
+                      <a:solidFill>
+                        <a:srgbClr val="000000"/>
+                      </a:solidFill>
+                      <a:prstDash val="solid"/>
+                      <a:headEnd type="none" w="med" len="med"/>
+                      <a:tailEnd type="none" w="med" len="med"/>
+                    </a:lnT>
+                    <a:lnB w="12700" cap="flat" cmpd="sng">
+                      <a:solidFill>
+                        <a:srgbClr val="000000"/>
+                      </a:solidFill>
+                      <a:prstDash val="solid"/>
+                      <a:headEnd type="none" w="med" len="med"/>
+                      <a:tailEnd type="none" w="med" len="med"/>
+                    </a:lnB>
+                    <a:lnTlToBr>
+                      <a:noFill/>
+                    </a:lnTlToBr>
+                    <a:lnBlToTr>
+                      <a:noFill/>
+                    </a:lnBlToTr>
+                    <a:noFill/>
+                  </a:tcPr>
+                </a:tc>
+              </a:tr>
+              <a:tr h="681355">
+                <a:tc>
+                  <a:txBody>
+                    <a:bodyPr/>
+                    <a:lstStyle/>
+                    <a:p>
+                      <a:pPr indent="0" algn="ctr">
+                        <a:buNone/>
+                      </a:pPr>
+                      <a:r>
+                        <a:rPr lang="en-US" sz="2000" b="0">
+                          <a:cs typeface="+mn-lt"/>
+                        </a:rPr>
+                        <a:t>affects</a:t>
+                      </a:r>
+                      <a:endParaRPr lang="en-US" sz="2000" b="0">
+                        <a:ea typeface="Times New Roman" panose="02020603050405020304" charset="0"/>
+                        <a:cs typeface="+mn-lt"/>
+                      </a:endParaRPr>
+                    </a:p>
+                  </a:txBody>
+                  <a:tcPr marL="68580" marR="68580" marT="0" marB="0">
+                    <a:lnL w="19050" cap="flat" cmpd="sng">
+                      <a:solidFill>
+                        <a:srgbClr val="000000"/>
+                      </a:solidFill>
+                      <a:prstDash val="solid"/>
+                      <a:headEnd type="none" w="med" len="med"/>
+                      <a:tailEnd type="none" w="med" len="med"/>
+                    </a:lnL>
+                    <a:lnR w="19050" cap="flat" cmpd="sng">
+                      <a:solidFill>
+                        <a:srgbClr val="000000"/>
+                      </a:solidFill>
+                      <a:prstDash val="solid"/>
+                      <a:headEnd type="none" w="med" len="med"/>
+                      <a:tailEnd type="none" w="med" len="med"/>
+                    </a:lnR>
+                    <a:lnT w="12700" cap="flat" cmpd="sng">
+                      <a:solidFill>
+                        <a:srgbClr val="000000"/>
+                      </a:solidFill>
+                      <a:prstDash val="solid"/>
+                      <a:headEnd type="none" w="med" len="med"/>
+                      <a:tailEnd type="none" w="med" len="med"/>
+                    </a:lnT>
+                    <a:lnB w="12700" cap="flat" cmpd="sng">
+                      <a:solidFill>
+                        <a:srgbClr val="000000"/>
+                      </a:solidFill>
+                      <a:prstDash val="solid"/>
+                      <a:headEnd type="none" w="med" len="med"/>
+                      <a:tailEnd type="none" w="med" len="med"/>
+                    </a:lnB>
+                    <a:lnTlToBr>
+                      <a:noFill/>
+                    </a:lnTlToBr>
+                    <a:lnBlToTr>
+                      <a:noFill/>
+                    </a:lnBlToTr>
+                    <a:solidFill>
+                      <a:srgbClr val="BFBFBF"/>
+                    </a:solidFill>
+                  </a:tcPr>
+                </a:tc>
+                <a:tc>
+                  <a:txBody>
+                    <a:bodyPr/>
+                    <a:lstStyle/>
+                    <a:p>
+                      <a:pPr indent="0">
+                        <a:buNone/>
+                      </a:pPr>
+                      <a:r>
+                        <a:rPr lang="en-US" sz="2000" b="0">
+                          <a:cs typeface="+mn-lt"/>
+                        </a:rPr>
+                        <a:t>Readers who need books and People who has so many books.</a:t>
+                      </a:r>
+                      <a:endParaRPr lang="en-US" sz="2000" b="0">
+                        <a:ea typeface="Times New Roman" panose="02020603050405020304" charset="0"/>
+                        <a:cs typeface="+mn-lt"/>
+                      </a:endParaRPr>
+                    </a:p>
+                  </a:txBody>
+                  <a:tcPr marL="68580" marR="68580" marT="0" marB="0">
+                    <a:lnL w="19050" cap="flat" cmpd="sng">
+                      <a:solidFill>
+                        <a:srgbClr val="000000"/>
+                      </a:solidFill>
+                      <a:prstDash val="solid"/>
+                      <a:headEnd type="none" w="med" len="med"/>
+                      <a:tailEnd type="none" w="med" len="med"/>
+                    </a:lnL>
+                    <a:lnR w="19050" cap="flat" cmpd="sng">
+                      <a:solidFill>
+                        <a:srgbClr val="000000"/>
+                      </a:solidFill>
+                      <a:prstDash val="solid"/>
+                      <a:headEnd type="none" w="med" len="med"/>
+                      <a:tailEnd type="none" w="med" len="med"/>
+                    </a:lnR>
+                    <a:lnT w="12700" cap="flat" cmpd="sng">
+                      <a:solidFill>
+                        <a:srgbClr val="000000"/>
+                      </a:solidFill>
+                      <a:prstDash val="solid"/>
+                      <a:headEnd type="none" w="med" len="med"/>
+                      <a:tailEnd type="none" w="med" len="med"/>
+                    </a:lnT>
+                    <a:lnB w="12700" cap="flat" cmpd="sng">
+                      <a:solidFill>
+                        <a:srgbClr val="000000"/>
+                      </a:solidFill>
+                      <a:prstDash val="solid"/>
+                      <a:headEnd type="none" w="med" len="med"/>
+                      <a:tailEnd type="none" w="med" len="med"/>
+                    </a:lnB>
+                    <a:lnTlToBr>
+                      <a:noFill/>
+                    </a:lnTlToBr>
+                    <a:lnBlToTr>
+                      <a:noFill/>
+                    </a:lnBlToTr>
+                    <a:noFill/>
+                  </a:tcPr>
+                </a:tc>
+              </a:tr>
+              <a:tr h="1944370">
+                <a:tc>
+                  <a:txBody>
+                    <a:bodyPr/>
+                    <a:lstStyle/>
+                    <a:p>
+                      <a:pPr indent="0" algn="ctr">
+                        <a:buNone/>
+                      </a:pPr>
+                      <a:r>
+                        <a:rPr lang="en-US" sz="2000" b="0">
+                          <a:cs typeface="+mn-lt"/>
+                        </a:rPr>
+                        <a:t>the impact of which is</a:t>
+                      </a:r>
+                      <a:endParaRPr lang="en-US" sz="2000" b="0">
+                        <a:ea typeface="Times New Roman" panose="02020603050405020304" charset="0"/>
+                        <a:cs typeface="+mn-lt"/>
+                      </a:endParaRPr>
+                    </a:p>
+                  </a:txBody>
+                  <a:tcPr marL="68580" marR="68580" marT="0" marB="0">
+                    <a:lnL w="19050" cap="flat" cmpd="sng">
+                      <a:solidFill>
+                        <a:srgbClr val="000000"/>
+                      </a:solidFill>
+                      <a:prstDash val="solid"/>
+                      <a:headEnd type="none" w="med" len="med"/>
+                      <a:tailEnd type="none" w="med" len="med"/>
+                    </a:lnL>
+                    <a:lnR w="19050" cap="flat" cmpd="sng">
+                      <a:solidFill>
+                        <a:srgbClr val="000000"/>
+                      </a:solidFill>
+                      <a:prstDash val="solid"/>
+                      <a:headEnd type="none" w="med" len="med"/>
+                      <a:tailEnd type="none" w="med" len="med"/>
+                    </a:lnR>
+                    <a:lnT w="12700" cap="flat" cmpd="sng">
+                      <a:solidFill>
+                        <a:srgbClr val="000000"/>
+                      </a:solidFill>
+                      <a:prstDash val="solid"/>
+                      <a:headEnd type="none" w="med" len="med"/>
+                      <a:tailEnd type="none" w="med" len="med"/>
+                    </a:lnT>
+                    <a:lnB w="12700" cap="flat" cmpd="sng">
+                      <a:solidFill>
+                        <a:srgbClr val="000000"/>
+                      </a:solidFill>
+                      <a:prstDash val="solid"/>
+                      <a:headEnd type="none" w="med" len="med"/>
+                      <a:tailEnd type="none" w="med" len="med"/>
+                    </a:lnB>
+                    <a:lnTlToBr>
+                      <a:noFill/>
+                    </a:lnTlToBr>
+                    <a:lnBlToTr>
+                      <a:noFill/>
+                    </a:lnBlToTr>
+                    <a:solidFill>
+                      <a:srgbClr val="BFBFBF"/>
+                    </a:solidFill>
+                  </a:tcPr>
+                </a:tc>
+                <a:tc>
+                  <a:txBody>
+                    <a:bodyPr/>
+                    <a:lstStyle/>
+                    <a:p>
+                      <a:pPr indent="0">
+                        <a:buNone/>
+                      </a:pPr>
+                      <a:r>
+                        <a:rPr lang="en-US" sz="2000" b="0">
+                          <a:cs typeface="+mn-lt"/>
+                        </a:rPr>
+                        <a:t>Readers have to spend a lot of money to buy a new book, although they just need an old book with low price to buy and read.People who own many used books don’t know the way to share their books or  have to pay a very high price to build an book store.</a:t>
+                      </a:r>
+                      <a:endParaRPr lang="en-US" sz="2000" b="0">
+                        <a:ea typeface="Times New Roman" panose="02020603050405020304" charset="0"/>
+                        <a:cs typeface="+mn-lt"/>
+                      </a:endParaRPr>
+                    </a:p>
+                  </a:txBody>
+                  <a:tcPr marL="68580" marR="68580" marT="0" marB="0">
+                    <a:lnL w="19050" cap="flat" cmpd="sng">
+                      <a:solidFill>
+                        <a:srgbClr val="000000"/>
+                      </a:solidFill>
+                      <a:prstDash val="solid"/>
+                      <a:headEnd type="none" w="med" len="med"/>
+                      <a:tailEnd type="none" w="med" len="med"/>
+                    </a:lnL>
+                    <a:lnR w="19050" cap="flat" cmpd="sng">
+                      <a:solidFill>
+                        <a:srgbClr val="000000"/>
+                      </a:solidFill>
+                      <a:prstDash val="solid"/>
+                      <a:headEnd type="none" w="med" len="med"/>
+                      <a:tailEnd type="none" w="med" len="med"/>
+                    </a:lnR>
+                    <a:lnT w="12700" cap="flat" cmpd="sng">
+                      <a:solidFill>
+                        <a:srgbClr val="000000"/>
+                      </a:solidFill>
+                      <a:prstDash val="solid"/>
+                      <a:headEnd type="none" w="med" len="med"/>
+                      <a:tailEnd type="none" w="med" len="med"/>
+                    </a:lnT>
+                    <a:lnB w="12700" cap="flat" cmpd="sng">
+                      <a:solidFill>
+                        <a:srgbClr val="000000"/>
+                      </a:solidFill>
+                      <a:prstDash val="solid"/>
+                      <a:headEnd type="none" w="med" len="med"/>
+                      <a:tailEnd type="none" w="med" len="med"/>
+                    </a:lnB>
+                    <a:lnTlToBr>
+                      <a:noFill/>
+                    </a:lnTlToBr>
+                    <a:lnBlToTr>
+                      <a:noFill/>
+                    </a:lnBlToTr>
+                    <a:noFill/>
+                  </a:tcPr>
+                </a:tc>
+              </a:tr>
+              <a:tr h="1163320">
+                <a:tc>
+                  <a:txBody>
+                    <a:bodyPr/>
+                    <a:lstStyle/>
+                    <a:p>
+                      <a:pPr indent="0" algn="r">
+                        <a:buNone/>
+                      </a:pPr>
+                      <a:r>
+                        <a:rPr lang="en-US" sz="2000" b="0">
+                          <a:cs typeface="+mn-lt"/>
+                        </a:rPr>
+                        <a:t>a successful solution would be</a:t>
+                      </a:r>
+                      <a:endParaRPr lang="en-US" sz="2000" b="0">
+                        <a:ea typeface="Times New Roman" panose="02020603050405020304" charset="0"/>
+                        <a:cs typeface="+mn-lt"/>
+                      </a:endParaRPr>
+                    </a:p>
+                  </a:txBody>
+                  <a:tcPr marL="68580" marR="68580" marT="0" marB="0">
+                    <a:lnL w="19050" cap="flat" cmpd="sng">
+                      <a:solidFill>
+                        <a:srgbClr val="000000"/>
+                      </a:solidFill>
+                      <a:prstDash val="solid"/>
+                      <a:headEnd type="none" w="med" len="med"/>
+                      <a:tailEnd type="none" w="med" len="med"/>
+                    </a:lnL>
+                    <a:lnR w="19050" cap="flat" cmpd="sng">
+                      <a:solidFill>
+                        <a:srgbClr val="000000"/>
+                      </a:solidFill>
+                      <a:prstDash val="solid"/>
+                      <a:headEnd type="none" w="med" len="med"/>
+                      <a:tailEnd type="none" w="med" len="med"/>
+                    </a:lnR>
+                    <a:lnT w="12700" cap="flat" cmpd="sng">
+                      <a:solidFill>
+                        <a:srgbClr val="000000"/>
+                      </a:solidFill>
+                      <a:prstDash val="solid"/>
+                      <a:headEnd type="none" w="med" len="med"/>
+                      <a:tailEnd type="none" w="med" len="med"/>
+                    </a:lnT>
+                    <a:lnB w="12700" cap="flat" cmpd="sng">
+                      <a:solidFill>
+                        <a:srgbClr val="000000"/>
+                      </a:solidFill>
+                      <a:prstDash val="solid"/>
+                      <a:headEnd type="none" w="med" len="med"/>
+                      <a:tailEnd type="none" w="med" len="med"/>
+                    </a:lnB>
+                    <a:lnTlToBr>
+                      <a:noFill/>
+                    </a:lnTlToBr>
+                    <a:lnBlToTr>
+                      <a:noFill/>
+                    </a:lnBlToTr>
+                    <a:solidFill>
+                      <a:srgbClr val="BFBFBF"/>
+                    </a:solidFill>
+                  </a:tcPr>
+                </a:tc>
+                <a:tc>
+                  <a:txBody>
+                    <a:bodyPr/>
+                    <a:lstStyle/>
+                    <a:p>
+                      <a:pPr indent="0">
+                        <a:buNone/>
+                      </a:pPr>
+                      <a:r>
+                        <a:rPr lang="en-US" sz="2000" b="0">
+                          <a:cs typeface="+mn-lt"/>
+                        </a:rPr>
+                        <a:t>An online system where people can post information about the books they want to share and readers can search for and get the old books they desire with lower price.</a:t>
+                      </a:r>
+                      <a:endParaRPr lang="en-US" sz="2000" b="0">
+                        <a:ea typeface="Times New Roman" panose="02020603050405020304" charset="0"/>
+                        <a:cs typeface="+mn-lt"/>
+                      </a:endParaRPr>
+                    </a:p>
+                  </a:txBody>
+                  <a:tcPr marL="68580" marR="68580" marT="0" marB="0">
+                    <a:lnL w="19050" cap="flat" cmpd="sng">
+                      <a:solidFill>
+                        <a:srgbClr val="000000"/>
+                      </a:solidFill>
+                      <a:prstDash val="solid"/>
+                      <a:headEnd type="none" w="med" len="med"/>
+                      <a:tailEnd type="none" w="med" len="med"/>
+                    </a:lnL>
+                    <a:lnR w="19050" cap="flat" cmpd="sng">
+                      <a:solidFill>
+                        <a:srgbClr val="000000"/>
+                      </a:solidFill>
+                      <a:prstDash val="solid"/>
+                      <a:headEnd type="none" w="med" len="med"/>
+                      <a:tailEnd type="none" w="med" len="med"/>
+                    </a:lnR>
+                    <a:lnT w="12700" cap="flat" cmpd="sng">
+                      <a:solidFill>
+                        <a:srgbClr val="000000"/>
+                      </a:solidFill>
+                      <a:prstDash val="solid"/>
+                      <a:headEnd type="none" w="med" len="med"/>
+                      <a:tailEnd type="none" w="med" len="med"/>
+                    </a:lnT>
+                    <a:lnB w="12700" cap="flat" cmpd="sng">
+                      <a:solidFill>
+                        <a:srgbClr val="000000"/>
+                      </a:solidFill>
+                      <a:prstDash val="solid"/>
+                      <a:headEnd type="none" w="med" len="med"/>
+                      <a:tailEnd type="none" w="med" len="med"/>
+                    </a:lnB>
+                    <a:lnTlToBr>
+                      <a:noFill/>
+                    </a:lnTlToBr>
+                    <a:lnBlToTr>
+                      <a:noFill/>
+                    </a:lnBlToTr>
+                    <a:noFill/>
+                  </a:tcPr>
+                </a:tc>
+              </a:tr>
+            </a:tbl>
+          </a:graphicData>
+        </a:graphic>
+      </p:graphicFrame>
+    </p:spTree>
+  </p:cSld>
+  <p:clrMapOvr>
+    <a:masterClrMapping/>
+  </p:clrMapOvr>
+</p:sld>
+</file>
+
+<file path=ppt/slides/slide5.xml><?xml version="1.0" encoding="utf-8"?>
+<p:sld xmlns:a="http://schemas.openxmlformats.org/drawingml/2006/main" xmlns:r="http://schemas.openxmlformats.org/officeDocument/2006/relationships" xmlns:p="http://schemas.openxmlformats.org/presentationml/2006/main">
+  <p:cSld>
+    <p:bg>
+      <p:bgPr>
+        <a:blipFill rotWithShape="1">
+          <a:blip r:embed="rId1"/>
+        </a:blipFill>
+        <a:effectLst/>
+      </p:bgPr>
+    </p:bg>
+    <p:spTree>
+      <p:nvGrpSpPr>
+        <p:cNvPr id="1" name=""/>
+        <p:cNvGrpSpPr/>
+        <p:nvPr/>
+      </p:nvGrpSpPr>
+      <p:grpSpPr>
+        <a:xfrm>
+          <a:off x="0" y="0"/>
+          <a:ext cx="0" cy="0"/>
+          <a:chOff x="0" y="0"/>
+          <a:chExt cx="0" cy="0"/>
+        </a:xfrm>
+      </p:grpSpPr>
+      <p:sp>
+        <p:nvSpPr>
+          <p:cNvPr id="2" name="Title 1"/>
+          <p:cNvSpPr>
+            <a:spLocks noGrp="1"/>
+          </p:cNvSpPr>
+          <p:nvPr>
+            <p:ph type="title"/>
+          </p:nvPr>
+        </p:nvSpPr>
+        <p:spPr/>
+        <p:txBody>
+          <a:bodyPr>
+            <a:normAutofit/>
+          </a:bodyPr>
+          <a:lstStyle/>
+          <a:p>
+            <a:r>
+              <a:rPr lang="en-US">
+                <a:sym typeface="+mn-ea"/>
+              </a:rPr>
+              <a:t>1. Problem statement, product position statement</a:t>
+            </a:r>
+            <a:endParaRPr lang="en-US"/>
+          </a:p>
+        </p:txBody>
+      </p:sp>
+      <p:sp>
+        <p:nvSpPr>
           <p:cNvPr id="9" name="Content Placeholder 8"/>
           <p:cNvSpPr>
             <a:spLocks noGrp="1"/>
@@ -8376,27 +9162,6 @@
           </a:graphicData>
         </a:graphic>
       </p:graphicFrame>
-      <p:sp>
-        <p:nvSpPr>
-          <p:cNvPr id="3" name="Slide Number Placeholder 2"/>
-          <p:cNvSpPr>
-            <a:spLocks noGrp="1"/>
-          </p:cNvSpPr>
-          <p:nvPr>
-            <p:ph type="sldNum" sz="quarter" idx="12"/>
-          </p:nvPr>
-        </p:nvSpPr>
-        <p:spPr/>
-        <p:txBody>
-          <a:bodyPr/>
-          <a:p>
-            <a:fld id="{9B618960-8005-486C-9A75-10CB2AAC16F9}" type="slidenum">
-              <a:rPr lang="en-US" smtClean="0"/>
-            </a:fld>
-            <a:endParaRPr lang="en-US"/>
-          </a:p>
-        </p:txBody>
-      </p:sp>
     </p:spTree>
   </p:cSld>
   <p:clrMapOvr>
@@ -8405,7 +9170,7 @@
 </p:sld>
 </file>
 
-<file path=ppt/slides/slide5.xml><?xml version="1.0" encoding="utf-8"?>
+<file path=ppt/slides/slide6.xml><?xml version="1.0" encoding="utf-8"?>
 <p:sld xmlns:a="http://schemas.openxmlformats.org/drawingml/2006/main" xmlns:r="http://schemas.openxmlformats.org/officeDocument/2006/relationships" xmlns:p="http://schemas.openxmlformats.org/presentationml/2006/main">
   <p:cSld>
     <p:bg>
@@ -9564,27 +10329,6 @@
           </a:graphicData>
         </a:graphic>
       </p:graphicFrame>
-      <p:sp>
-        <p:nvSpPr>
-          <p:cNvPr id="3" name="Slide Number Placeholder 2"/>
-          <p:cNvSpPr>
-            <a:spLocks noGrp="1"/>
-          </p:cNvSpPr>
-          <p:nvPr>
-            <p:ph type="sldNum" sz="quarter" idx="12"/>
-          </p:nvPr>
-        </p:nvSpPr>
-        <p:spPr/>
-        <p:txBody>
-          <a:bodyPr/>
-          <a:p>
-            <a:fld id="{9B618960-8005-486C-9A75-10CB2AAC16F9}" type="slidenum">
-              <a:rPr lang="en-US" smtClean="0"/>
-            </a:fld>
-            <a:endParaRPr lang="en-US"/>
-          </a:p>
-        </p:txBody>
-      </p:sp>
     </p:spTree>
   </p:cSld>
   <p:clrMapOvr>
@@ -9593,7 +10337,7 @@
 </p:sld>
 </file>
 
-<file path=ppt/slides/slide6.xml><?xml version="1.0" encoding="utf-8"?>
+<file path=ppt/slides/slide7.xml><?xml version="1.0" encoding="utf-8"?>
 <p:sld xmlns:a="http://schemas.openxmlformats.org/drawingml/2006/main" xmlns:r="http://schemas.openxmlformats.org/officeDocument/2006/relationships" xmlns:p="http://schemas.openxmlformats.org/presentationml/2006/main">
   <p:cSld>
     <p:bg>
@@ -9703,27 +10447,6 @@
           </a:prstGeom>
         </p:spPr>
       </p:pic>
-      <p:sp>
-        <p:nvSpPr>
-          <p:cNvPr id="3" name="Slide Number Placeholder 2"/>
-          <p:cNvSpPr>
-            <a:spLocks noGrp="1"/>
-          </p:cNvSpPr>
-          <p:nvPr>
-            <p:ph type="sldNum" sz="quarter" idx="12"/>
-          </p:nvPr>
-        </p:nvSpPr>
-        <p:spPr/>
-        <p:txBody>
-          <a:bodyPr/>
-          <a:p>
-            <a:fld id="{9B618960-8005-486C-9A75-10CB2AAC16F9}" type="slidenum">
-              <a:rPr lang="en-US" smtClean="0"/>
-            </a:fld>
-            <a:endParaRPr lang="en-US"/>
-          </a:p>
-        </p:txBody>
-      </p:sp>
     </p:spTree>
   </p:cSld>
   <p:clrMapOvr>
@@ -9732,7 +10455,7 @@
 </p:sld>
 </file>
 
-<file path=ppt/slides/slide7.xml><?xml version="1.0" encoding="utf-8"?>
+<file path=ppt/slides/slide8.xml><?xml version="1.0" encoding="utf-8"?>
 <p:sld xmlns:a="http://schemas.openxmlformats.org/drawingml/2006/main" xmlns:r="http://schemas.openxmlformats.org/officeDocument/2006/relationships" xmlns:p="http://schemas.openxmlformats.org/presentationml/2006/main">
   <p:cSld>
     <p:bg>
@@ -9854,12 +10577,12 @@
                         <a:buNone/>
                       </a:pPr>
                       <a:r>
-                        <a:rPr lang="en-US" sz="1800" b="1">
+                        <a:rPr lang="en-US" sz="1800" b="1" dirty="0">
                           <a:cs typeface="+mn-lt"/>
                         </a:rPr>
                         <a:t>Person</a:t>
                       </a:r>
-                      <a:endParaRPr lang="en-US" sz="1800" b="1">
+                      <a:endParaRPr lang="en-US" sz="1800" b="1" dirty="0">
                         <a:ea typeface="Times New Roman" panose="02020603050405020304" charset="0"/>
                         <a:cs typeface="+mn-lt"/>
                       </a:endParaRPr>
@@ -10924,12 +11647,12 @@
                         <a:buNone/>
                       </a:pPr>
                       <a:r>
-                        <a:rPr lang="en-US" sz="1800" b="0">
+                        <a:rPr lang="en-US" sz="1800" b="0" dirty="0">
                           <a:cs typeface="+mn-lt"/>
                         </a:rPr>
                         <a:t>Responsible for testing the system  released each iteration, reporting Implement Manager about bugs, giving Implement Manager comments.</a:t>
                       </a:r>
-                      <a:endParaRPr lang="en-US" sz="1800" b="0">
+                      <a:endParaRPr lang="en-US" sz="1800" b="0" dirty="0">
                         <a:ea typeface="Times New Roman" panose="02020603050405020304" charset="0"/>
                         <a:cs typeface="+mn-lt"/>
                       </a:endParaRPr>
@@ -10982,217 +11705,6 @@
           </a:graphicData>
         </a:graphic>
       </p:graphicFrame>
-      <p:sp>
-        <p:nvSpPr>
-          <p:cNvPr id="3" name="Slide Number Placeholder 2"/>
-          <p:cNvSpPr>
-            <a:spLocks noGrp="1"/>
-          </p:cNvSpPr>
-          <p:nvPr>
-            <p:ph type="sldNum" sz="quarter" idx="12"/>
-          </p:nvPr>
-        </p:nvSpPr>
-        <p:spPr/>
-        <p:txBody>
-          <a:bodyPr/>
-          <a:p>
-            <a:fld id="{9B618960-8005-486C-9A75-10CB2AAC16F9}" type="slidenum">
-              <a:rPr lang="en-US" smtClean="0"/>
-            </a:fld>
-            <a:endParaRPr lang="en-US"/>
-          </a:p>
-        </p:txBody>
-      </p:sp>
-    </p:spTree>
-  </p:cSld>
-  <p:clrMapOvr>
-    <a:masterClrMapping/>
-  </p:clrMapOvr>
-</p:sld>
-</file>
-
-<file path=ppt/slides/slide8.xml><?xml version="1.0" encoding="utf-8"?>
-<p:sld xmlns:a="http://schemas.openxmlformats.org/drawingml/2006/main" xmlns:r="http://schemas.openxmlformats.org/officeDocument/2006/relationships" xmlns:p="http://schemas.openxmlformats.org/presentationml/2006/main">
-  <p:cSld>
-    <p:bg>
-      <p:bgPr>
-        <a:blipFill rotWithShape="1">
-          <a:blip r:embed="rId1"/>
-        </a:blipFill>
-        <a:effectLst/>
-      </p:bgPr>
-    </p:bg>
-    <p:spTree>
-      <p:nvGrpSpPr>
-        <p:cNvPr id="1" name=""/>
-        <p:cNvGrpSpPr/>
-        <p:nvPr/>
-      </p:nvGrpSpPr>
-      <p:grpSpPr>
-        <a:xfrm>
-          <a:off x="0" y="0"/>
-          <a:ext cx="0" cy="0"/>
-          <a:chOff x="0" y="0"/>
-          <a:chExt cx="0" cy="0"/>
-        </a:xfrm>
-      </p:grpSpPr>
-      <p:sp>
-        <p:nvSpPr>
-          <p:cNvPr id="2" name="Title 1"/>
-          <p:cNvSpPr>
-            <a:spLocks noGrp="1"/>
-          </p:cNvSpPr>
-          <p:nvPr>
-            <p:ph type="title"/>
-          </p:nvPr>
-        </p:nvSpPr>
-        <p:spPr>
-          <a:xfrm>
-            <a:off x="425451" y="271011"/>
-            <a:ext cx="5905011" cy="1325563"/>
-          </a:xfrm>
-        </p:spPr>
-        <p:txBody>
-          <a:bodyPr>
-            <a:normAutofit/>
-          </a:bodyPr>
-          <a:lstStyle/>
-          <a:p>
-            <a:r>
-              <a:rPr lang="en-US" dirty="0">
-                <a:sym typeface="+mn-ea"/>
-              </a:rPr>
-              <a:t>3. Software requirements</a:t>
-            </a:r>
-            <a:endParaRPr lang="en-US" dirty="0"/>
-          </a:p>
-        </p:txBody>
-      </p:sp>
-      <p:sp>
-        <p:nvSpPr>
-          <p:cNvPr id="3" name="Content Placeholder 2"/>
-          <p:cNvSpPr>
-            <a:spLocks noGrp="1"/>
-          </p:cNvSpPr>
-          <p:nvPr>
-            <p:ph idx="1"/>
-          </p:nvPr>
-        </p:nvSpPr>
-        <p:spPr>
-          <a:xfrm>
-            <a:off x="838200" y="1825625"/>
-            <a:ext cx="10515600" cy="4351338"/>
-          </a:xfrm>
-        </p:spPr>
-        <p:txBody>
-          <a:bodyPr/>
-          <a:lstStyle/>
-          <a:p>
-            <a:pPr marL="0" indent="0">
-              <a:buNone/>
-            </a:pPr>
-            <a:endParaRPr lang="en-US"/>
-          </a:p>
-          <a:p>
-            <a:pPr marL="0" indent="0">
-              <a:buNone/>
-            </a:pPr>
-            <a:endParaRPr lang="en-US" dirty="0"/>
-          </a:p>
-        </p:txBody>
-      </p:sp>
-      <p:sp>
-        <p:nvSpPr>
-          <p:cNvPr id="4" name="TextBox 3"/>
-          <p:cNvSpPr txBox="1"/>
-          <p:nvPr/>
-        </p:nvSpPr>
-        <p:spPr>
-          <a:xfrm>
-            <a:off x="1029921" y="1358047"/>
-            <a:ext cx="5287108" cy="477054"/>
-          </a:xfrm>
-          <a:prstGeom prst="rect">
-            <a:avLst/>
-          </a:prstGeom>
-          <a:noFill/>
-        </p:spPr>
-        <p:txBody>
-          <a:bodyPr wrap="square" rtlCol="0">
-            <a:spAutoFit/>
-          </a:bodyPr>
-          <a:lstStyle/>
-          <a:p>
-            <a:r>
-              <a:rPr lang="en-US" sz="2500" dirty="0"/>
-              <a:t>3.1 Use-case Model</a:t>
-            </a:r>
-            <a:endParaRPr lang="en-US" sz="2500" dirty="0"/>
-          </a:p>
-        </p:txBody>
-      </p:sp>
-      <p:pic>
-        <p:nvPicPr>
-          <p:cNvPr id="1026" name="Picture 2" descr="All Use-cases"/>
-          <p:cNvPicPr>
-            <a:picLocks noChangeAspect="1" noChangeArrowheads="1"/>
-          </p:cNvPicPr>
-          <p:nvPr/>
-        </p:nvPicPr>
-        <p:blipFill>
-          <a:blip r:embed="rId2">
-            <a:extLst>
-              <a:ext uri="{28A0092B-C50C-407E-A947-70E740481C1C}">
-                <a14:useLocalDpi xmlns:a14="http://schemas.microsoft.com/office/drawing/2010/main" val="0"/>
-              </a:ext>
-            </a:extLst>
-          </a:blip>
-          <a:srcRect/>
-          <a:stretch>
-            <a:fillRect/>
-          </a:stretch>
-        </p:blipFill>
-        <p:spPr bwMode="auto">
-          <a:xfrm>
-            <a:off x="6746771" y="143610"/>
-            <a:ext cx="5445229" cy="6570779"/>
-          </a:xfrm>
-          <a:prstGeom prst="rect">
-            <a:avLst/>
-          </a:prstGeom>
-          <a:noFill/>
-          <a:extLst>
-            <a:ext uri="{909E8E84-426E-40DD-AFC4-6F175D3DCCD1}">
-              <a14:hiddenFill xmlns:a14="http://schemas.microsoft.com/office/drawing/2010/main">
-                <a:solidFill>
-                  <a:srgbClr val="FFFFFF"/>
-                </a:solidFill>
-              </a14:hiddenFill>
-            </a:ext>
-          </a:extLst>
-        </p:spPr>
-      </p:pic>
-      <p:sp>
-        <p:nvSpPr>
-          <p:cNvPr id="5" name="Slide Number Placeholder 4"/>
-          <p:cNvSpPr>
-            <a:spLocks noGrp="1"/>
-          </p:cNvSpPr>
-          <p:nvPr>
-            <p:ph type="sldNum" sz="quarter" idx="12"/>
-          </p:nvPr>
-        </p:nvSpPr>
-        <p:spPr/>
-        <p:txBody>
-          <a:bodyPr/>
-          <a:p>
-            <a:fld id="{9B618960-8005-486C-9A75-10CB2AAC16F9}" type="slidenum">
-              <a:rPr lang="en-US" smtClean="0"/>
-            </a:fld>
-            <a:endParaRPr lang="en-US"/>
-          </a:p>
-        </p:txBody>
-      </p:sp>
     </p:spTree>
   </p:cSld>
   <p:clrMapOvr>
@@ -11238,8 +11750,8 @@
         </p:nvSpPr>
         <p:spPr>
           <a:xfrm>
-            <a:off x="425451" y="271011"/>
-            <a:ext cx="5905011" cy="1325563"/>
+            <a:off x="0" y="36330"/>
+            <a:ext cx="4584615" cy="1325563"/>
           </a:xfrm>
         </p:spPr>
         <p:txBody>
@@ -11281,7 +11793,7 @@
             <a:pPr marL="0" indent="0">
               <a:buNone/>
             </a:pPr>
-            <a:endParaRPr lang="en-US" dirty="0"/>
+            <a:endParaRPr lang="en-US"/>
           </a:p>
           <a:p>
             <a:pPr marL="0" indent="0">
@@ -11299,8 +11811,8 @@
         </p:nvSpPr>
         <p:spPr>
           <a:xfrm>
-            <a:off x="1029921" y="1358047"/>
-            <a:ext cx="5287108" cy="477054"/>
+            <a:off x="385951" y="1338864"/>
+            <a:ext cx="5081954" cy="477054"/>
           </a:xfrm>
           <a:prstGeom prst="rect">
             <a:avLst/>
@@ -11315,321 +11827,42 @@
           <a:p>
             <a:r>
               <a:rPr lang="en-US" sz="2500" dirty="0"/>
-              <a:t>3.2 Non-functional requirements</a:t>
+              <a:t>3.1 Use-case Model</a:t>
             </a:r>
             <a:endParaRPr lang="en-US" sz="2500" dirty="0"/>
           </a:p>
         </p:txBody>
       </p:sp>
-      <p:graphicFrame>
-        <p:nvGraphicFramePr>
-          <p:cNvPr id="5" name="Table 4"/>
-          <p:cNvGraphicFramePr>
-            <a:graphicFrameLocks noGrp="1"/>
-          </p:cNvGraphicFramePr>
+      <p:pic>
+        <p:nvPicPr>
+          <p:cNvPr id="6" name="Picture 5" descr="A close up of a logo&#10;&#10;Description automatically generated"/>
+          <p:cNvPicPr>
+            <a:picLocks noChangeAspect="1"/>
+          </p:cNvPicPr>
           <p:nvPr/>
-        </p:nvGraphicFramePr>
-        <p:xfrm>
-          <a:off x="1258277" y="1815728"/>
-          <a:ext cx="9398000" cy="4092773"/>
-        </p:xfrm>
-        <a:graphic>
-          <a:graphicData uri="http://schemas.openxmlformats.org/drawingml/2006/table">
-            <a:tbl>
-              <a:tblPr firstRow="1" bandRow="1">
-                <a:tableStyleId>{5C22544A-7EE6-4342-B048-85BDC9FD1C3A}</a:tableStyleId>
-              </a:tblPr>
-              <a:tblGrid>
-                <a:gridCol w="4699000"/>
-                <a:gridCol w="4699000"/>
-              </a:tblGrid>
-              <a:tr h="435173">
-                <a:tc>
-                  <a:txBody>
-                    <a:bodyPr/>
-                    <a:lstStyle/>
-                    <a:p>
-                      <a:pPr algn="ctr"/>
-                      <a:r>
-                        <a:rPr lang="en-US" dirty="0"/>
-                        <a:t>Requirement</a:t>
-                      </a:r>
-                      <a:endParaRPr lang="en-US" dirty="0"/>
-                    </a:p>
-                  </a:txBody>
-                  <a:tcPr/>
-                </a:tc>
-                <a:tc>
-                  <a:txBody>
-                    <a:bodyPr/>
-                    <a:lstStyle/>
-                    <a:p>
-                      <a:endParaRPr lang="en-US" dirty="0"/>
-                    </a:p>
-                  </a:txBody>
-                  <a:tcPr/>
-                </a:tc>
-              </a:tr>
-              <a:tr h="592848">
-                <a:tc>
-                  <a:txBody>
-                    <a:bodyPr/>
-                    <a:lstStyle/>
-                    <a:p>
-                      <a:pPr marL="0" marR="0" lvl="0" indent="0" algn="l" defTabSz="914400" rtl="0" eaLnBrk="1" fontAlgn="auto" latinLnBrk="0" hangingPunct="1">
-                        <a:lnSpc>
-                          <a:spcPct val="100000"/>
-                        </a:lnSpc>
-                        <a:spcBef>
-                          <a:spcPts val="0"/>
-                        </a:spcBef>
-                        <a:spcAft>
-                          <a:spcPts val="0"/>
-                        </a:spcAft>
-                        <a:buClrTx/>
-                        <a:buSzTx/>
-                        <a:buFontTx/>
-                        <a:buNone/>
-                        <a:defRPr/>
-                      </a:pPr>
-                      <a:r>
-                        <a:rPr lang="en-US" sz="1800" b="0" i="0" u="none" strike="noStrike" kern="1200" dirty="0">
-                          <a:solidFill>
-                            <a:schemeClr val="dk1"/>
-                          </a:solidFill>
-                          <a:effectLst/>
-                          <a:latin typeface="+mn-lt"/>
-                          <a:ea typeface="+mn-ea"/>
-                          <a:cs typeface="+mn-cs"/>
-                        </a:rPr>
-                        <a:t>Environment requirement</a:t>
-                      </a:r>
-                      <a:endParaRPr lang="en-US" sz="1800" b="0" i="0" u="none" strike="noStrike" kern="1200" dirty="0">
-                        <a:solidFill>
-                          <a:schemeClr val="dk1"/>
-                        </a:solidFill>
-                        <a:effectLst/>
-                        <a:latin typeface="+mn-lt"/>
-                        <a:ea typeface="+mn-ea"/>
-                        <a:cs typeface="+mn-cs"/>
-                      </a:endParaRPr>
-                    </a:p>
-                  </a:txBody>
-                  <a:tcPr/>
-                </a:tc>
-                <a:tc>
-                  <a:txBody>
-                    <a:bodyPr/>
-                    <a:lstStyle/>
-                    <a:p>
-                      <a:r>
-                        <a:rPr lang="en-US" sz="1800" b="0" i="0" u="none" strike="noStrike" kern="1200" dirty="0">
-                          <a:solidFill>
-                            <a:schemeClr val="dk1"/>
-                          </a:solidFill>
-                          <a:effectLst/>
-                          <a:latin typeface="+mn-lt"/>
-                          <a:ea typeface="+mn-ea"/>
-                          <a:cs typeface="+mn-cs"/>
-                        </a:rPr>
-                        <a:t>Personal computer or mobile device with an updated browser and Internet connection.</a:t>
-                      </a:r>
-                      <a:endParaRPr lang="en-US" dirty="0"/>
-                    </a:p>
-                  </a:txBody>
-                  <a:tcPr/>
-                </a:tc>
-              </a:tr>
-              <a:tr h="1101004">
-                <a:tc>
-                  <a:txBody>
-                    <a:bodyPr/>
-                    <a:lstStyle/>
-                    <a:p>
-                      <a:r>
-                        <a:rPr lang="en-US" sz="1800" b="0" i="0" u="none" strike="noStrike" kern="1200" dirty="0">
-                          <a:solidFill>
-                            <a:schemeClr val="dk1"/>
-                          </a:solidFill>
-                          <a:effectLst/>
-                          <a:latin typeface="+mn-lt"/>
-                          <a:ea typeface="+mn-ea"/>
-                          <a:cs typeface="+mn-cs"/>
-                        </a:rPr>
-                        <a:t>Login</a:t>
-                      </a:r>
-                      <a:endParaRPr lang="en-US" dirty="0"/>
-                    </a:p>
-                  </a:txBody>
-                  <a:tcPr/>
-                </a:tc>
-                <a:tc>
-                  <a:txBody>
-                    <a:bodyPr/>
-                    <a:lstStyle/>
-                    <a:p>
-                      <a:pPr rtl="0"/>
-                      <a:r>
-                        <a:rPr lang="en-US" sz="1800" b="0" i="0" u="none" strike="noStrike" kern="1200" dirty="0">
-                          <a:solidFill>
-                            <a:schemeClr val="dk1"/>
-                          </a:solidFill>
-                          <a:effectLst/>
-                          <a:latin typeface="+mn-lt"/>
-                          <a:ea typeface="+mn-ea"/>
-                          <a:cs typeface="+mn-cs"/>
-                        </a:rPr>
-                        <a:t>Username and password need to be encrypted before being sent over Internet.</a:t>
-                      </a:r>
-                      <a:endParaRPr lang="en-US" b="0" dirty="0">
-                        <a:effectLst/>
-                      </a:endParaRPr>
-                    </a:p>
-                    <a:p>
-                      <a:pPr rtl="0"/>
-                      <a:r>
-                        <a:rPr lang="en-US" sz="1800" b="0" i="0" u="none" strike="noStrike" kern="1200" dirty="0">
-                          <a:solidFill>
-                            <a:schemeClr val="dk1"/>
-                          </a:solidFill>
-                          <a:effectLst/>
-                          <a:latin typeface="+mn-lt"/>
-                          <a:ea typeface="+mn-ea"/>
-                          <a:cs typeface="+mn-cs"/>
-                        </a:rPr>
-                        <a:t>User must be prevented from logging in for a certain time after many failed logging in.</a:t>
-                      </a:r>
-                      <a:endParaRPr lang="en-US" b="0" dirty="0">
-                        <a:effectLst/>
-                      </a:endParaRPr>
-                    </a:p>
-                  </a:txBody>
-                  <a:tcPr/>
-                </a:tc>
-              </a:tr>
-              <a:tr h="592848">
-                <a:tc>
-                  <a:txBody>
-                    <a:bodyPr/>
-                    <a:lstStyle/>
-                    <a:p>
-                      <a:r>
-                        <a:rPr lang="en-US" sz="1800" b="0" i="0" u="none" strike="noStrike" kern="1200" dirty="0">
-                          <a:solidFill>
-                            <a:schemeClr val="dk1"/>
-                          </a:solidFill>
-                          <a:effectLst/>
-                          <a:latin typeface="+mn-lt"/>
-                          <a:ea typeface="+mn-ea"/>
-                          <a:cs typeface="+mn-cs"/>
-                        </a:rPr>
-                        <a:t>Create account</a:t>
-                      </a:r>
-                      <a:endParaRPr lang="en-US" dirty="0"/>
-                    </a:p>
-                  </a:txBody>
-                  <a:tcPr/>
-                </a:tc>
-                <a:tc>
-                  <a:txBody>
-                    <a:bodyPr/>
-                    <a:lstStyle/>
-                    <a:p>
-                      <a:pPr rtl="0"/>
-                      <a:r>
-                        <a:rPr lang="en-US" sz="1800" b="0" i="0" u="none" strike="noStrike" kern="1200" dirty="0">
-                          <a:solidFill>
-                            <a:schemeClr val="dk1"/>
-                          </a:solidFill>
-                          <a:effectLst/>
-                          <a:latin typeface="+mn-lt"/>
-                          <a:ea typeface="+mn-ea"/>
-                          <a:cs typeface="+mn-cs"/>
-                        </a:rPr>
-                        <a:t>User needs to confirm website policy before heading to create a new account.</a:t>
-                      </a:r>
-                      <a:endParaRPr lang="en-US" b="0" dirty="0">
-                        <a:effectLst/>
-                      </a:endParaRPr>
-                    </a:p>
-                  </a:txBody>
-                  <a:tcPr/>
-                </a:tc>
-              </a:tr>
-              <a:tr h="435173">
-                <a:tc>
-                  <a:txBody>
-                    <a:bodyPr/>
-                    <a:lstStyle/>
-                    <a:p>
-                      <a:r>
-                        <a:rPr lang="en-US" sz="1800" b="0" i="0" u="none" strike="noStrike" kern="1200" dirty="0">
-                          <a:solidFill>
-                            <a:schemeClr val="dk1"/>
-                          </a:solidFill>
-                          <a:effectLst/>
-                          <a:latin typeface="+mn-lt"/>
-                          <a:ea typeface="+mn-ea"/>
-                          <a:cs typeface="+mn-cs"/>
-                        </a:rPr>
-                        <a:t>Search for books</a:t>
-                      </a:r>
-                      <a:endParaRPr lang="en-US" dirty="0"/>
-                    </a:p>
-                  </a:txBody>
-                  <a:tcPr/>
-                </a:tc>
-                <a:tc>
-                  <a:txBody>
-                    <a:bodyPr/>
-                    <a:lstStyle/>
-                    <a:p>
-                      <a:pPr rtl="0"/>
-                      <a:r>
-                        <a:rPr lang="en-US" sz="1800" b="0" i="0" u="none" strike="noStrike" kern="1200" dirty="0">
-                          <a:solidFill>
-                            <a:schemeClr val="dk1"/>
-                          </a:solidFill>
-                          <a:effectLst/>
-                          <a:latin typeface="+mn-lt"/>
-                          <a:ea typeface="+mn-ea"/>
-                          <a:cs typeface="+mn-cs"/>
-                        </a:rPr>
-                        <a:t>The time for searching for a book needs to be within 5 seconds. Result books have to be sorted by descending related order (most related book to least related book).</a:t>
-                      </a:r>
-                      <a:endParaRPr lang="en-US" b="0" dirty="0">
-                        <a:effectLst/>
-                      </a:endParaRPr>
-                    </a:p>
-                  </a:txBody>
-                  <a:tcPr/>
-                </a:tc>
-              </a:tr>
-            </a:tbl>
-          </a:graphicData>
-        </a:graphic>
-      </p:graphicFrame>
-      <p:sp>
-        <p:nvSpPr>
-          <p:cNvPr id="6" name="Slide Number Placeholder 5"/>
-          <p:cNvSpPr>
-            <a:spLocks noGrp="1"/>
-          </p:cNvSpPr>
-          <p:nvPr>
-            <p:ph type="sldNum" sz="quarter" idx="12"/>
-          </p:nvPr>
-        </p:nvSpPr>
-        <p:spPr/>
-        <p:txBody>
-          <a:bodyPr/>
-          <a:p>
-            <a:fld id="{9B618960-8005-486C-9A75-10CB2AAC16F9}" type="slidenum">
-              <a:rPr lang="en-US" smtClean="0"/>
-            </a:fld>
-            <a:endParaRPr lang="en-US"/>
-          </a:p>
-        </p:txBody>
-      </p:sp>
+        </p:nvPicPr>
+        <p:blipFill>
+          <a:blip r:embed="rId2">
+            <a:extLst>
+              <a:ext uri="{28A0092B-C50C-407E-A947-70E740481C1C}">
+                <a14:useLocalDpi xmlns:a14="http://schemas.microsoft.com/office/drawing/2010/main" val="0"/>
+              </a:ext>
+            </a:extLst>
+          </a:blip>
+          <a:stretch>
+            <a:fillRect/>
+          </a:stretch>
+        </p:blipFill>
+        <p:spPr>
+          <a:xfrm>
+            <a:off x="4584616" y="0"/>
+            <a:ext cx="7607384" cy="6858000"/>
+          </a:xfrm>
+          <a:prstGeom prst="rect">
+            <a:avLst/>
+          </a:prstGeom>
+        </p:spPr>
+      </p:pic>
     </p:spTree>
   </p:cSld>
   <p:clrMapOvr>
@@ -11895,263 +12128,4 @@
     </a:ext>
   </a:extLst>
 </a:theme>
-</file>
-
-<file path=ppt/theme/theme2.xml><?xml version="1.0" encoding="utf-8"?>
-<a:theme xmlns:a="http://schemas.openxmlformats.org/drawingml/2006/main" name="Office Theme">
-  <a:themeElements>
-    <a:clrScheme name="Office">
-      <a:dk1>
-        <a:sysClr val="windowText" lastClr="000000"/>
-      </a:dk1>
-      <a:lt1>
-        <a:sysClr val="window" lastClr="FFFFFF"/>
-      </a:lt1>
-      <a:dk2>
-        <a:srgbClr val="44546A"/>
-      </a:dk2>
-      <a:lt2>
-        <a:srgbClr val="E7E6E6"/>
-      </a:lt2>
-      <a:accent1>
-        <a:srgbClr val="5B9BD5"/>
-      </a:accent1>
-      <a:accent2>
-        <a:srgbClr val="ED7D31"/>
-      </a:accent2>
-      <a:accent3>
-        <a:srgbClr val="A5A5A5"/>
-      </a:accent3>
-      <a:accent4>
-        <a:srgbClr val="FFC000"/>
-      </a:accent4>
-      <a:accent5>
-        <a:srgbClr val="4472C4"/>
-      </a:accent5>
-      <a:accent6>
-        <a:srgbClr val="70AD47"/>
-      </a:accent6>
-      <a:hlink>
-        <a:srgbClr val="0563C1"/>
-      </a:hlink>
-      <a:folHlink>
-        <a:srgbClr val="954F72"/>
-      </a:folHlink>
-    </a:clrScheme>
-    <a:fontScheme name="Office">
-      <a:majorFont>
-        <a:latin typeface="Calibri Light"/>
-        <a:ea typeface=""/>
-        <a:cs typeface=""/>
-        <a:font script="Jpan" typeface="ＭＳ Ｐゴシック"/>
-        <a:font script="Hang" typeface="맑은 고딕"/>
-        <a:font script="Hans" typeface="宋体"/>
-        <a:font script="Hant" typeface="新細明體"/>
-        <a:font script="Arab" typeface="Times New Roman"/>
-        <a:font script="Hebr" typeface="Times New Roman"/>
-        <a:font script="Thai" typeface="Angsana New"/>
-        <a:font script="Ethi" typeface="Nyala"/>
-        <a:font script="Beng" typeface="Vrinda"/>
-        <a:font script="Gujr" typeface="Shruti"/>
-        <a:font script="Khmr" typeface="MoolBoran"/>
-        <a:font script="Knda" typeface="Tunga"/>
-        <a:font script="Guru" typeface="Raavi"/>
-        <a:font script="Cans" typeface="Euphemia"/>
-        <a:font script="Cher" typeface="Plantagenet Cherokee"/>
-        <a:font script="Yiii" typeface="Microsoft Yi Baiti"/>
-        <a:font script="Tibt" typeface="Microsoft Himalaya"/>
-        <a:font script="Thaa" typeface="MV Boli"/>
-        <a:font script="Deva" typeface="Mangal"/>
-        <a:font script="Telu" typeface="Gautami"/>
-        <a:font script="Taml" typeface="Latha"/>
-        <a:font script="Syrc" typeface="Estrangelo Edessa"/>
-        <a:font script="Orya" typeface="Kalinga"/>
-        <a:font script="Mlym" typeface="Kartika"/>
-        <a:font script="Laoo" typeface="DokChampa"/>
-        <a:font script="Sinh" typeface="Iskoola Pota"/>
-        <a:font script="Mong" typeface="Mongolian Baiti"/>
-        <a:font script="Viet" typeface="Times New Roman"/>
-        <a:font script="Uigh" typeface="Microsoft Uighur"/>
-        <a:font script="Geor" typeface="Sylfaen"/>
-      </a:majorFont>
-      <a:minorFont>
-        <a:latin typeface="Calibri"/>
-        <a:ea typeface=""/>
-        <a:cs typeface=""/>
-        <a:font script="Jpan" typeface="ＭＳ Ｐゴシック"/>
-        <a:font script="Hang" typeface="맑은 고딕"/>
-        <a:font script="Hans" typeface="宋体"/>
-        <a:font script="Hant" typeface="新細明體"/>
-        <a:font script="Arab" typeface="Arial"/>
-        <a:font script="Hebr" typeface="Arial"/>
-        <a:font script="Thai" typeface="Cordia New"/>
-        <a:font script="Ethi" typeface="Nyala"/>
-        <a:font script="Beng" typeface="Vrinda"/>
-        <a:font script="Gujr" typeface="Shruti"/>
-        <a:font script="Khmr" typeface="DaunPenh"/>
-        <a:font script="Knda" typeface="Tunga"/>
-        <a:font script="Guru" typeface="Raavi"/>
-        <a:font script="Cans" typeface="Euphemia"/>
-        <a:font script="Cher" typeface="Plantagenet Cherokee"/>
-        <a:font script="Yiii" typeface="Microsoft Yi Baiti"/>
-        <a:font script="Tibt" typeface="Microsoft Himalaya"/>
-        <a:font script="Thaa" typeface="MV Boli"/>
-        <a:font script="Deva" typeface="Mangal"/>
-        <a:font script="Telu" typeface="Gautami"/>
-        <a:font script="Taml" typeface="Latha"/>
-        <a:font script="Syrc" typeface="Estrangelo Edessa"/>
-        <a:font script="Orya" typeface="Kalinga"/>
-        <a:font script="Mlym" typeface="Kartika"/>
-        <a:font script="Laoo" typeface="DokChampa"/>
-        <a:font script="Sinh" typeface="Iskoola Pota"/>
-        <a:font script="Mong" typeface="Mongolian Baiti"/>
-        <a:font script="Viet" typeface="Arial"/>
-        <a:font script="Uigh" typeface="Microsoft Uighur"/>
-        <a:font script="Geor" typeface="Sylfaen"/>
-      </a:minorFont>
-    </a:fontScheme>
-    <a:fmtScheme name="Office">
-      <a:fillStyleLst>
-        <a:solidFill>
-          <a:schemeClr val="phClr"/>
-        </a:solidFill>
-        <a:gradFill rotWithShape="1">
-          <a:gsLst>
-            <a:gs pos="0">
-              <a:schemeClr val="phClr">
-                <a:lumMod val="110000"/>
-                <a:satMod val="105000"/>
-                <a:tint val="67000"/>
-              </a:schemeClr>
-            </a:gs>
-            <a:gs pos="50000">
-              <a:schemeClr val="phClr">
-                <a:lumMod val="105000"/>
-                <a:satMod val="103000"/>
-                <a:tint val="73000"/>
-              </a:schemeClr>
-            </a:gs>
-            <a:gs pos="100000">
-              <a:schemeClr val="phClr">
-                <a:lumMod val="105000"/>
-                <a:satMod val="109000"/>
-                <a:tint val="81000"/>
-              </a:schemeClr>
-            </a:gs>
-          </a:gsLst>
-          <a:lin ang="5400000" scaled="0"/>
-        </a:gradFill>
-        <a:gradFill rotWithShape="1">
-          <a:gsLst>
-            <a:gs pos="0">
-              <a:schemeClr val="phClr">
-                <a:satMod val="103000"/>
-                <a:lumMod val="102000"/>
-                <a:tint val="94000"/>
-              </a:schemeClr>
-            </a:gs>
-            <a:gs pos="50000">
-              <a:schemeClr val="phClr">
-                <a:satMod val="110000"/>
-                <a:lumMod val="100000"/>
-                <a:shade val="100000"/>
-              </a:schemeClr>
-            </a:gs>
-            <a:gs pos="100000">
-              <a:schemeClr val="phClr">
-                <a:lumMod val="99000"/>
-                <a:satMod val="120000"/>
-                <a:shade val="78000"/>
-              </a:schemeClr>
-            </a:gs>
-          </a:gsLst>
-          <a:lin ang="5400000" scaled="0"/>
-        </a:gradFill>
-      </a:fillStyleLst>
-      <a:lnStyleLst>
-        <a:ln w="6350" cap="flat" cmpd="sng" algn="ctr">
-          <a:solidFill>
-            <a:schemeClr val="phClr"/>
-          </a:solidFill>
-          <a:prstDash val="solid"/>
-          <a:miter lim="800000"/>
-        </a:ln>
-        <a:ln w="12700" cap="flat" cmpd="sng" algn="ctr">
-          <a:solidFill>
-            <a:schemeClr val="phClr"/>
-          </a:solidFill>
-          <a:prstDash val="solid"/>
-          <a:miter lim="800000"/>
-        </a:ln>
-        <a:ln w="19050" cap="flat" cmpd="sng" algn="ctr">
-          <a:solidFill>
-            <a:schemeClr val="phClr"/>
-          </a:solidFill>
-          <a:prstDash val="solid"/>
-          <a:miter lim="800000"/>
-        </a:ln>
-      </a:lnStyleLst>
-      <a:effectStyleLst>
-        <a:effectStyle>
-          <a:effectLst/>
-        </a:effectStyle>
-        <a:effectStyle>
-          <a:effectLst/>
-        </a:effectStyle>
-        <a:effectStyle>
-          <a:effectLst>
-            <a:outerShdw blurRad="57150" dist="19050" dir="5400000" algn="ctr" rotWithShape="0">
-              <a:srgbClr val="000000">
-                <a:alpha val="63000"/>
-              </a:srgbClr>
-            </a:outerShdw>
-          </a:effectLst>
-        </a:effectStyle>
-      </a:effectStyleLst>
-      <a:bgFillStyleLst>
-        <a:solidFill>
-          <a:schemeClr val="phClr"/>
-        </a:solidFill>
-        <a:solidFill>
-          <a:schemeClr val="phClr">
-            <a:tint val="95000"/>
-            <a:satMod val="170000"/>
-          </a:schemeClr>
-        </a:solidFill>
-        <a:gradFill rotWithShape="1">
-          <a:gsLst>
-            <a:gs pos="0">
-              <a:schemeClr val="phClr">
-                <a:tint val="93000"/>
-                <a:satMod val="150000"/>
-                <a:shade val="98000"/>
-                <a:lumMod val="102000"/>
-              </a:schemeClr>
-            </a:gs>
-            <a:gs pos="50000">
-              <a:schemeClr val="phClr">
-                <a:tint val="98000"/>
-                <a:satMod val="130000"/>
-                <a:shade val="90000"/>
-                <a:lumMod val="103000"/>
-              </a:schemeClr>
-            </a:gs>
-            <a:gs pos="100000">
-              <a:schemeClr val="phClr">
-                <a:shade val="63000"/>
-                <a:satMod val="120000"/>
-              </a:schemeClr>
-            </a:gs>
-          </a:gsLst>
-          <a:lin ang="5400000" scaled="0"/>
-        </a:gradFill>
-      </a:bgFillStyleLst>
-    </a:fmtScheme>
-  </a:themeElements>
-  <a:extLst>
-    <a:ext uri="{05A4C25C-085E-4340-85A3-A5531E510DB2}">
-      <thm15:themeFamily xmlns:thm15="http://schemas.microsoft.com/office/thememl/2012/main" name="Office Theme" id="{62F939B6-93AF-4DB8-9C6B-D6C7DFDC589F}" vid="{4A3C46E8-61CC-4603-A589-7422A47A8E4A}"/>
-    </a:ext>
-  </a:extLst>
-</a:theme>
 </file>